--- a/v7.pptx
+++ b/v7.pptx
@@ -1,31 +1,31 @@
 
 <file path=ppt/presentation.xml><?xml version="1.0" encoding="utf-8"?>
-<p:presentation xmlns:a="http://schemas.openxmlformats.org/drawingml/2006/main" xmlns:r="http://schemas.openxmlformats.org/officeDocument/2006/relationships" xmlns:p="http://schemas.openxmlformats.org/presentationml/2006/main" showSpecialPlsOnTitleSld="0" strictFirstAndLastChars="0" autoCompressPictures="0">
+<p:presentation xmlns:r="http://schemas.openxmlformats.org/officeDocument/2006/relationships" xmlns:c="http://schemas.openxmlformats.org/drawingml/2006/chart" xmlns:a="http://schemas.openxmlformats.org/drawingml/2006/main" xmlns:dgm="http://schemas.openxmlformats.org/drawingml/2006/diagram" xmlns:dsp="http://schemas.microsoft.com/office/drawing/2008/diagram" xmlns:p="http://schemas.openxmlformats.org/presentationml/2006/main" showSpecialPlsOnTitleSld="0" strictFirstAndLastChars="0" autoCompressPictures="0">
   <p:sldMasterIdLst>
-    <p:sldMasterId id="2147483661" r:id="rId1"/>
+    <p:sldMasterId id="2147483653" r:id="rId1"/>
   </p:sldMasterIdLst>
   <p:notesMasterIdLst>
-    <p:notesMasterId r:id="rId20"/>
+    <p:notesMasterId r:id="rId2"/>
   </p:notesMasterIdLst>
   <p:sldIdLst>
-    <p:sldId id="256" r:id="rId2"/>
-    <p:sldId id="257" r:id="rId3"/>
-    <p:sldId id="258" r:id="rId4"/>
-    <p:sldId id="259" r:id="rId5"/>
-    <p:sldId id="260" r:id="rId6"/>
-    <p:sldId id="261" r:id="rId7"/>
-    <p:sldId id="262" r:id="rId8"/>
-    <p:sldId id="263" r:id="rId9"/>
-    <p:sldId id="264" r:id="rId10"/>
-    <p:sldId id="265" r:id="rId11"/>
-    <p:sldId id="266" r:id="rId12"/>
-    <p:sldId id="267" r:id="rId13"/>
-    <p:sldId id="268" r:id="rId14"/>
-    <p:sldId id="269" r:id="rId15"/>
-    <p:sldId id="270" r:id="rId16"/>
-    <p:sldId id="271" r:id="rId17"/>
-    <p:sldId id="272" r:id="rId18"/>
-    <p:sldId id="273" r:id="rId19"/>
+    <p:sldId id="256" r:id="rId3"/>
+    <p:sldId id="257" r:id="rId4"/>
+    <p:sldId id="258" r:id="rId5"/>
+    <p:sldId id="259" r:id="rId6"/>
+    <p:sldId id="260" r:id="rId7"/>
+    <p:sldId id="261" r:id="rId8"/>
+    <p:sldId id="262" r:id="rId9"/>
+    <p:sldId id="263" r:id="rId10"/>
+    <p:sldId id="264" r:id="rId11"/>
+    <p:sldId id="265" r:id="rId12"/>
+    <p:sldId id="266" r:id="rId13"/>
+    <p:sldId id="267" r:id="rId14"/>
+    <p:sldId id="268" r:id="rId15"/>
+    <p:sldId id="269" r:id="rId16"/>
+    <p:sldId id="270" r:id="rId17"/>
+    <p:sldId id="271" r:id="rId18"/>
+    <p:sldId id="272" r:id="rId19"/>
+    <p:sldId id="273" r:id="rId20"/>
   </p:sldIdLst>
   <p:sldSz cx="9144000" cy="5143500" type="screen16x9"/>
   <p:notesSz cx="6858000" cy="9144000"/>
@@ -262,16 +262,14 @@
 </file>
 
 <file path=ppt/commentAuthors.xml><?xml version="1.0" encoding="utf-8"?>
-<p:cmAuthorLst xmlns:a="http://schemas.openxmlformats.org/drawingml/2006/main" xmlns:r="http://schemas.openxmlformats.org/officeDocument/2006/relationships" xmlns:p="http://schemas.openxmlformats.org/presentationml/2006/main">
-  <p:cmAuthor id="0" name="wsj26" initials="w" lastIdx="0" clrIdx="0"/>
+<p:cmAuthorLst xmlns:r="http://schemas.openxmlformats.org/officeDocument/2006/relationships" xmlns:c="http://schemas.openxmlformats.org/drawingml/2006/chart" xmlns:a="http://schemas.openxmlformats.org/drawingml/2006/main" xmlns:dgm="http://schemas.openxmlformats.org/drawingml/2006/diagram" xmlns:dsp="http://schemas.microsoft.com/office/drawing/2008/diagram" xmlns:p="http://schemas.openxmlformats.org/presentationml/2006/main">
+  <p:cmAuthor id="0" name="wsj26" initials="w" lastIdx="1" clrIdx="0"/>
 </p:cmAuthorLst>
 </file>
 
 <file path=ppt/charts/chart1.xml><?xml version="1.0" encoding="utf-8"?>
-<c:chartSpace xmlns:c="http://schemas.openxmlformats.org/drawingml/2006/chart" xmlns:a="http://schemas.openxmlformats.org/drawingml/2006/main" xmlns:r="http://schemas.openxmlformats.org/officeDocument/2006/relationships">
+<c:chartSpace xmlns:r="http://schemas.openxmlformats.org/officeDocument/2006/relationships" xmlns:a="http://schemas.openxmlformats.org/drawingml/2006/main" xmlns:c="http://schemas.openxmlformats.org/drawingml/2006/chart">
   <c:date1904 val="0"/>
-  <c:lang val="ko-KR"/>
-  <c:roundedCorners val="0"/>
   <mc:AlternateContent xmlns:mc="http://schemas.openxmlformats.org/markup-compatibility/2006">
     <mc:Choice xmlns:c14="http://schemas.microsoft.com/office/drawing/2007/8/2/chart" Requires="c14">
       <c14:style val="102"/>
@@ -280,6 +278,7 @@
       <c:style val="2"/>
     </mc:Fallback>
   </mc:AlternateContent>
+  <c:roundedCorners val="0"/>
   <c:chart>
     <c:autoTitleDeleted val="0"/>
     <c:plotArea>
@@ -361,7 +360,7 @@
           </c:tx>
           <c:spPr>
             <a:solidFill>
-              <a:srgbClr val="FFC000"/>
+              <a:srgbClr val="ffc000"/>
             </a:solidFill>
           </c:spPr>
           <c:invertIfNegative val="0"/>
@@ -480,7 +479,7 @@
           </c:tx>
           <c:spPr>
             <a:solidFill>
-              <a:srgbClr val="00B050"/>
+              <a:srgbClr val="00b050"/>
             </a:solidFill>
           </c:spPr>
           <c:invertIfNegative val="0"/>
@@ -584,14 +583,17 @@
           </c:val>
         </c:ser>
         <c:dLbls>
+          <c:delete val="0"/>
           <c:showLegendKey val="0"/>
           <c:showVal val="0"/>
           <c:showCatName val="0"/>
           <c:showSerName val="0"/>
           <c:showPercent val="0"/>
           <c:showBubbleSize val="0"/>
+          <c:showLeaderLines val="0"/>
         </c:dLbls>
         <c:gapWidth val="150"/>
+        <c:overlap val="0"/>
         <c:axId val="238040576"/>
         <c:axId val="17319616"/>
       </c:barChart>
@@ -600,15 +602,15 @@
         <c:scaling>
           <c:orientation val="minMax"/>
         </c:scaling>
+        <c:axPos val="b"/>
+        <c:crossAx val="17319616"/>
         <c:delete val="0"/>
-        <c:axPos val="b"/>
         <c:numFmt formatCode="General" sourceLinked="0"/>
         <c:majorTickMark val="out"/>
         <c:minorTickMark val="none"/>
         <c:tickLblPos val="nextTo"/>
         <c:txPr>
           <a:bodyPr rot="0" vert="horz" wrap="none" lIns="0" tIns="0" rIns="0" bIns="0" anchor="ctr" anchorCtr="1"/>
-          <a:lstStyle/>
           <a:p>
             <a:pPr algn="l">
               <a:defRPr sz="1000" b="1" i="0" u="none">
@@ -617,16 +619,15 @@
                     <a:lumMod val="10000"/>
                   </a:schemeClr>
                 </a:solidFill>
-                <a:latin typeface="+mn-ea" panose="00000000000000000000"/>
-                <a:ea typeface="+mn-ea" panose="00000000000000000000"/>
-                <a:cs typeface="+mn-ea" panose="00000000000000000000"/>
-                <a:sym typeface="+mn-ea" panose="00000000000000000000"/>
+                <a:latin typeface="+mn-ea" panose="0"/>
+                <a:ea typeface="+mn-ea" panose="0"/>
+                <a:cs typeface="+mn-ea" panose="0"/>
+                <a:sym typeface="+mn-ea" panose="0"/>
               </a:defRPr>
             </a:pPr>
-            <a:endParaRPr lang="ko-KR"/>
+            <a:endParaRPr/>
           </a:p>
         </c:txPr>
-        <c:crossAx val="17319616"/>
         <c:crosses val="autoZero"/>
         <c:auto val="1"/>
         <c:lblAlgn val="ctr"/>
@@ -639,14 +640,14 @@
         <c:scaling>
           <c:orientation val="minMax"/>
         </c:scaling>
+        <c:axPos val="l"/>
+        <c:crossAx val="238040576"/>
         <c:delete val="0"/>
-        <c:axPos val="l"/>
         <c:majorGridlines/>
         <c:numFmt formatCode="General" sourceLinked="1"/>
         <c:majorTickMark val="out"/>
         <c:minorTickMark val="none"/>
         <c:tickLblPos val="nextTo"/>
-        <c:crossAx val="238040576"/>
         <c:crosses val="autoZero"/>
         <c:crossBetween val="between"/>
       </c:valAx>
@@ -665,7 +666,6 @@
       <c:overlay val="0"/>
       <c:txPr>
         <a:bodyPr rot="0" vert="horz" wrap="none" lIns="0" tIns="0" rIns="0" bIns="0" anchor="ctr" anchorCtr="1"/>
-        <a:lstStyle/>
         <a:p>
           <a:pPr algn="l">
             <a:defRPr b="0" i="0" u="none">
@@ -676,27 +676,25 @@
               </a:solidFill>
             </a:defRPr>
           </a:pPr>
-          <a:endParaRPr lang="ko-KR"/>
+          <a:endParaRPr/>
         </a:p>
       </c:txPr>
     </c:legend>
-    <c:plotVisOnly val="1"/>
     <c:dispBlanksAs val="gap"/>
-    <c:showDLblsOverMax val="1"/>
   </c:chart>
-  <c:externalData r:id="rId1">
-    <c:autoUpdate val="0"/>
-  </c:externalData>
   <c:extLst>
     <c:ext uri="CC8EB2C9-7E31-499d-B8F2-F6CE61031016">
       <ho:hncChartStyle xmlns:ho="http://schemas.haansoft.com/office/8.0" layoutIndex="-1" colorIndex="-1" styleIndex="-1"/>
     </c:ext>
   </c:extLst>
+  <c:externalData r:id="rId1">
+    <c:autoUpdate val="0"/>
+  </c:externalData>
 </c:chartSpace>
 </file>
 
 <file path=ppt/notesMasters/notesMaster1.xml><?xml version="1.0" encoding="utf-8"?>
-<p:notesMaster xmlns:a="http://schemas.openxmlformats.org/drawingml/2006/main" xmlns:r="http://schemas.openxmlformats.org/officeDocument/2006/relationships" xmlns:p="http://schemas.openxmlformats.org/presentationml/2006/main">
+<p:notesMaster xmlns:r="http://schemas.openxmlformats.org/officeDocument/2006/relationships" xmlns:c="http://schemas.openxmlformats.org/drawingml/2006/chart" xmlns:a="http://schemas.openxmlformats.org/drawingml/2006/main" xmlns:dgm="http://schemas.openxmlformats.org/drawingml/2006/diagram" xmlns:dsp="http://schemas.microsoft.com/office/drawing/2008/diagram" xmlns:p="http://schemas.openxmlformats.org/presentationml/2006/main">
   <p:cSld>
     <p:bg>
       <p:bgRef idx="1001">
@@ -735,8 +733,6 @@
           <a:custGeom>
             <a:avLst/>
             <a:gdLst/>
-            <a:ahLst/>
-            <a:cxnLst/>
             <a:rect l="l" t="t" r="r" b="b"/>
             <a:pathLst>
               <a:path w="120000" h="120000" extrusionOk="0">
@@ -898,16 +894,15 @@
             <a:pPr lvl="0">
               <a:defRPr/>
             </a:pPr>
+            <a:r>
+              <a:rPr lang="ko-KR" altLang="en-US"/>
+              <a:t/>
+            </a:r>
             <a:endParaRPr lang="ko-KR" altLang="en-US"/>
           </a:p>
         </p:txBody>
       </p:sp>
     </p:spTree>
-    <p:extLst>
-      <p:ext uri="{BB962C8B-B14F-4D97-AF65-F5344CB8AC3E}">
-        <p14:creationId xmlns:p14="http://schemas.microsoft.com/office/powerpoint/2010/main" val="1162871513"/>
-      </p:ext>
-    </p:extLst>
   </p:cSld>
   <p:clrMap bg1="lt1" tx1="dk1" bg2="dk2" tx2="lt2" accent1="accent1" accent2="accent2" accent3="accent3" accent4="accent4" accent5="accent5" accent6="accent6" hlink="hlink" folHlink="folHlink"/>
   <p:hf hdr="0" ftr="0" dt="0"/>
@@ -1144,7 +1139,7 @@
 </file>
 
 <file path=ppt/notesSlides/notesSlide1.xml><?xml version="1.0" encoding="utf-8"?>
-<p:notes xmlns:a="http://schemas.openxmlformats.org/drawingml/2006/main" xmlns:r="http://schemas.openxmlformats.org/officeDocument/2006/relationships" xmlns:p="http://schemas.openxmlformats.org/presentationml/2006/main" showMasterSp="0" showMasterPhAnim="0">
+<p:notes xmlns:r="http://schemas.openxmlformats.org/officeDocument/2006/relationships" xmlns:c="http://schemas.openxmlformats.org/drawingml/2006/chart" xmlns:a="http://schemas.openxmlformats.org/drawingml/2006/main" xmlns:dgm="http://schemas.openxmlformats.org/drawingml/2006/diagram" xmlns:dsp="http://schemas.microsoft.com/office/drawing/2008/diagram" xmlns:p="http://schemas.openxmlformats.org/presentationml/2006/main" showMasterSp="0" showMasterPhAnim="0">
   <p:cSld>
     <p:spTree>
       <p:nvGrpSpPr>
@@ -1178,8 +1173,6 @@
           <a:custGeom>
             <a:avLst/>
             <a:gdLst/>
-            <a:ahLst/>
-            <a:cxnLst/>
             <a:rect l="l" t="t" r="r" b="b"/>
             <a:pathLst>
               <a:path w="120000" h="120000" extrusionOk="0">
@@ -1236,6 +1229,10 @@
               <a:buNone/>
               <a:defRPr/>
             </a:pPr>
+            <a:r>
+              <a:rPr lang="ko-KR" altLang="en-US"/>
+              <a:t/>
+            </a:r>
             <a:endParaRPr lang="ko-KR" altLang="en-US"/>
           </a:p>
         </p:txBody>
@@ -1249,7 +1246,7 @@
 </file>
 
 <file path=ppt/notesSlides/notesSlide10.xml><?xml version="1.0" encoding="utf-8"?>
-<p:notes xmlns:a="http://schemas.openxmlformats.org/drawingml/2006/main" xmlns:r="http://schemas.openxmlformats.org/officeDocument/2006/relationships" xmlns:p="http://schemas.openxmlformats.org/presentationml/2006/main" showMasterSp="0" showMasterPhAnim="0">
+<p:notes xmlns:r="http://schemas.openxmlformats.org/officeDocument/2006/relationships" xmlns:c="http://schemas.openxmlformats.org/drawingml/2006/chart" xmlns:a="http://schemas.openxmlformats.org/drawingml/2006/main" xmlns:dgm="http://schemas.openxmlformats.org/drawingml/2006/diagram" xmlns:dsp="http://schemas.microsoft.com/office/drawing/2008/diagram" xmlns:p="http://schemas.openxmlformats.org/presentationml/2006/main" showMasterSp="0" showMasterPhAnim="0">
   <p:cSld>
     <p:spTree>
       <p:nvGrpSpPr>
@@ -1283,8 +1280,6 @@
           <a:custGeom>
             <a:avLst/>
             <a:gdLst/>
-            <a:ahLst/>
-            <a:cxnLst/>
             <a:rect l="l" t="t" r="r" b="b"/>
             <a:pathLst>
               <a:path w="120000" h="120000" extrusionOk="0">
@@ -1341,6 +1336,10 @@
               <a:buNone/>
               <a:defRPr/>
             </a:pPr>
+            <a:r>
+              <a:rPr lang="ko-KR" altLang="en-US"/>
+              <a:t/>
+            </a:r>
             <a:endParaRPr lang="ko-KR" altLang="en-US"/>
           </a:p>
         </p:txBody>
@@ -1354,7 +1353,7 @@
 </file>
 
 <file path=ppt/notesSlides/notesSlide11.xml><?xml version="1.0" encoding="utf-8"?>
-<p:notes xmlns:a="http://schemas.openxmlformats.org/drawingml/2006/main" xmlns:r="http://schemas.openxmlformats.org/officeDocument/2006/relationships" xmlns:p="http://schemas.openxmlformats.org/presentationml/2006/main" showMasterSp="0" showMasterPhAnim="0">
+<p:notes xmlns:r="http://schemas.openxmlformats.org/officeDocument/2006/relationships" xmlns:c="http://schemas.openxmlformats.org/drawingml/2006/chart" xmlns:a="http://schemas.openxmlformats.org/drawingml/2006/main" xmlns:dgm="http://schemas.openxmlformats.org/drawingml/2006/diagram" xmlns:dsp="http://schemas.microsoft.com/office/drawing/2008/diagram" xmlns:p="http://schemas.openxmlformats.org/presentationml/2006/main" showMasterSp="0" showMasterPhAnim="0">
   <p:cSld>
     <p:spTree>
       <p:nvGrpSpPr>
@@ -1388,8 +1387,6 @@
           <a:custGeom>
             <a:avLst/>
             <a:gdLst/>
-            <a:ahLst/>
-            <a:cxnLst/>
             <a:rect l="l" t="t" r="r" b="b"/>
             <a:pathLst>
               <a:path w="120000" h="120000" extrusionOk="0">
@@ -1446,6 +1443,10 @@
               <a:buNone/>
               <a:defRPr/>
             </a:pPr>
+            <a:r>
+              <a:rPr lang="ko-KR" altLang="en-US"/>
+              <a:t/>
+            </a:r>
             <a:endParaRPr lang="ko-KR" altLang="en-US"/>
           </a:p>
         </p:txBody>
@@ -1459,7 +1460,7 @@
 </file>
 
 <file path=ppt/notesSlides/notesSlide12.xml><?xml version="1.0" encoding="utf-8"?>
-<p:notes xmlns:a="http://schemas.openxmlformats.org/drawingml/2006/main" xmlns:r="http://schemas.openxmlformats.org/officeDocument/2006/relationships" xmlns:p="http://schemas.openxmlformats.org/presentationml/2006/main" showMasterSp="0" showMasterPhAnim="0">
+<p:notes xmlns:r="http://schemas.openxmlformats.org/officeDocument/2006/relationships" xmlns:c="http://schemas.openxmlformats.org/drawingml/2006/chart" xmlns:a="http://schemas.openxmlformats.org/drawingml/2006/main" xmlns:dgm="http://schemas.openxmlformats.org/drawingml/2006/diagram" xmlns:dsp="http://schemas.microsoft.com/office/drawing/2008/diagram" xmlns:p="http://schemas.openxmlformats.org/presentationml/2006/main" showMasterSp="0" showMasterPhAnim="0">
   <p:cSld>
     <p:spTree>
       <p:nvGrpSpPr>
@@ -1493,8 +1494,6 @@
           <a:custGeom>
             <a:avLst/>
             <a:gdLst/>
-            <a:ahLst/>
-            <a:cxnLst/>
             <a:rect l="l" t="t" r="r" b="b"/>
             <a:pathLst>
               <a:path w="120000" h="120000" extrusionOk="0">
@@ -1551,6 +1550,10 @@
               <a:buNone/>
               <a:defRPr/>
             </a:pPr>
+            <a:r>
+              <a:rPr lang="ko-KR" altLang="en-US"/>
+              <a:t/>
+            </a:r>
             <a:endParaRPr lang="ko-KR" altLang="en-US"/>
           </a:p>
         </p:txBody>
@@ -1564,7 +1567,7 @@
 </file>
 
 <file path=ppt/notesSlides/notesSlide13.xml><?xml version="1.0" encoding="utf-8"?>
-<p:notes xmlns:a="http://schemas.openxmlformats.org/drawingml/2006/main" xmlns:r="http://schemas.openxmlformats.org/officeDocument/2006/relationships" xmlns:p="http://schemas.openxmlformats.org/presentationml/2006/main" showMasterSp="0" showMasterPhAnim="0">
+<p:notes xmlns:r="http://schemas.openxmlformats.org/officeDocument/2006/relationships" xmlns:c="http://schemas.openxmlformats.org/drawingml/2006/chart" xmlns:a="http://schemas.openxmlformats.org/drawingml/2006/main" xmlns:dgm="http://schemas.openxmlformats.org/drawingml/2006/diagram" xmlns:dsp="http://schemas.microsoft.com/office/drawing/2008/diagram" xmlns:p="http://schemas.openxmlformats.org/presentationml/2006/main" showMasterSp="0" showMasterPhAnim="0">
   <p:cSld>
     <p:spTree>
       <p:nvGrpSpPr>
@@ -1598,8 +1601,6 @@
           <a:custGeom>
             <a:avLst/>
             <a:gdLst/>
-            <a:ahLst/>
-            <a:cxnLst/>
             <a:rect l="l" t="t" r="r" b="b"/>
             <a:pathLst>
               <a:path w="120000" h="120000" extrusionOk="0">
@@ -1656,6 +1657,10 @@
               <a:buNone/>
               <a:defRPr/>
             </a:pPr>
+            <a:r>
+              <a:rPr lang="ko-KR" altLang="en-US"/>
+              <a:t/>
+            </a:r>
             <a:endParaRPr lang="ko-KR" altLang="en-US"/>
           </a:p>
         </p:txBody>
@@ -1669,7 +1674,7 @@
 </file>
 
 <file path=ppt/notesSlides/notesSlide14.xml><?xml version="1.0" encoding="utf-8"?>
-<p:notes xmlns:a="http://schemas.openxmlformats.org/drawingml/2006/main" xmlns:r="http://schemas.openxmlformats.org/officeDocument/2006/relationships" xmlns:p="http://schemas.openxmlformats.org/presentationml/2006/main" showMasterSp="0" showMasterPhAnim="0">
+<p:notes xmlns:r="http://schemas.openxmlformats.org/officeDocument/2006/relationships" xmlns:c="http://schemas.openxmlformats.org/drawingml/2006/chart" xmlns:a="http://schemas.openxmlformats.org/drawingml/2006/main" xmlns:dgm="http://schemas.openxmlformats.org/drawingml/2006/diagram" xmlns:dsp="http://schemas.microsoft.com/office/drawing/2008/diagram" xmlns:p="http://schemas.openxmlformats.org/presentationml/2006/main" showMasterSp="0" showMasterPhAnim="0">
   <p:cSld>
     <p:spTree>
       <p:nvGrpSpPr>
@@ -1703,8 +1708,6 @@
           <a:custGeom>
             <a:avLst/>
             <a:gdLst/>
-            <a:ahLst/>
-            <a:cxnLst/>
             <a:rect l="l" t="t" r="r" b="b"/>
             <a:pathLst>
               <a:path w="120000" h="120000" extrusionOk="0">
@@ -1761,6 +1764,10 @@
               <a:buNone/>
               <a:defRPr/>
             </a:pPr>
+            <a:r>
+              <a:rPr lang="ko-KR" altLang="en-US"/>
+              <a:t/>
+            </a:r>
             <a:endParaRPr lang="ko-KR" altLang="en-US"/>
           </a:p>
         </p:txBody>
@@ -1774,7 +1781,7 @@
 </file>
 
 <file path=ppt/notesSlides/notesSlide15.xml><?xml version="1.0" encoding="utf-8"?>
-<p:notes xmlns:a="http://schemas.openxmlformats.org/drawingml/2006/main" xmlns:r="http://schemas.openxmlformats.org/officeDocument/2006/relationships" xmlns:p="http://schemas.openxmlformats.org/presentationml/2006/main" showMasterSp="0" showMasterPhAnim="0">
+<p:notes xmlns:r="http://schemas.openxmlformats.org/officeDocument/2006/relationships" xmlns:c="http://schemas.openxmlformats.org/drawingml/2006/chart" xmlns:a="http://schemas.openxmlformats.org/drawingml/2006/main" xmlns:dgm="http://schemas.openxmlformats.org/drawingml/2006/diagram" xmlns:dsp="http://schemas.microsoft.com/office/drawing/2008/diagram" xmlns:p="http://schemas.openxmlformats.org/presentationml/2006/main" showMasterSp="0" showMasterPhAnim="0">
   <p:cSld>
     <p:spTree>
       <p:nvGrpSpPr>
@@ -1808,8 +1815,6 @@
           <a:custGeom>
             <a:avLst/>
             <a:gdLst/>
-            <a:ahLst/>
-            <a:cxnLst/>
             <a:rect l="l" t="t" r="r" b="b"/>
             <a:pathLst>
               <a:path w="120000" h="120000" extrusionOk="0">
@@ -1866,6 +1871,10 @@
               <a:buNone/>
               <a:defRPr/>
             </a:pPr>
+            <a:r>
+              <a:rPr lang="ko-KR" altLang="en-US"/>
+              <a:t/>
+            </a:r>
             <a:endParaRPr lang="ko-KR" altLang="en-US"/>
           </a:p>
         </p:txBody>
@@ -1879,7 +1888,7 @@
 </file>
 
 <file path=ppt/notesSlides/notesSlide16.xml><?xml version="1.0" encoding="utf-8"?>
-<p:notes xmlns:a="http://schemas.openxmlformats.org/drawingml/2006/main" xmlns:r="http://schemas.openxmlformats.org/officeDocument/2006/relationships" xmlns:p="http://schemas.openxmlformats.org/presentationml/2006/main" showMasterSp="0" showMasterPhAnim="0">
+<p:notes xmlns:r="http://schemas.openxmlformats.org/officeDocument/2006/relationships" xmlns:c="http://schemas.openxmlformats.org/drawingml/2006/chart" xmlns:a="http://schemas.openxmlformats.org/drawingml/2006/main" xmlns:dgm="http://schemas.openxmlformats.org/drawingml/2006/diagram" xmlns:dsp="http://schemas.microsoft.com/office/drawing/2008/diagram" xmlns:p="http://schemas.openxmlformats.org/presentationml/2006/main" showMasterSp="0" showMasterPhAnim="0">
   <p:cSld>
     <p:spTree>
       <p:nvGrpSpPr>
@@ -1913,8 +1922,6 @@
           <a:custGeom>
             <a:avLst/>
             <a:gdLst/>
-            <a:ahLst/>
-            <a:cxnLst/>
             <a:rect l="l" t="t" r="r" b="b"/>
             <a:pathLst>
               <a:path w="120000" h="120000" extrusionOk="0">
@@ -1971,6 +1978,10 @@
               <a:buNone/>
               <a:defRPr/>
             </a:pPr>
+            <a:r>
+              <a:rPr lang="ko-KR" altLang="en-US"/>
+              <a:t/>
+            </a:r>
             <a:endParaRPr lang="ko-KR" altLang="en-US"/>
           </a:p>
         </p:txBody>
@@ -1984,7 +1995,7 @@
 </file>
 
 <file path=ppt/notesSlides/notesSlide17.xml><?xml version="1.0" encoding="utf-8"?>
-<p:notes xmlns:a="http://schemas.openxmlformats.org/drawingml/2006/main" xmlns:r="http://schemas.openxmlformats.org/officeDocument/2006/relationships" xmlns:p="http://schemas.openxmlformats.org/presentationml/2006/main" showMasterSp="0" showMasterPhAnim="0">
+<p:notes xmlns:r="http://schemas.openxmlformats.org/officeDocument/2006/relationships" xmlns:c="http://schemas.openxmlformats.org/drawingml/2006/chart" xmlns:a="http://schemas.openxmlformats.org/drawingml/2006/main" xmlns:dgm="http://schemas.openxmlformats.org/drawingml/2006/diagram" xmlns:dsp="http://schemas.microsoft.com/office/drawing/2008/diagram" xmlns:p="http://schemas.openxmlformats.org/presentationml/2006/main" showMasterSp="0" showMasterPhAnim="0">
   <p:cSld>
     <p:spTree>
       <p:nvGrpSpPr>
@@ -2018,8 +2029,6 @@
           <a:custGeom>
             <a:avLst/>
             <a:gdLst/>
-            <a:ahLst/>
-            <a:cxnLst/>
             <a:rect l="l" t="t" r="r" b="b"/>
             <a:pathLst>
               <a:path w="120000" h="120000" extrusionOk="0">
@@ -2076,6 +2085,10 @@
               <a:buNone/>
               <a:defRPr/>
             </a:pPr>
+            <a:r>
+              <a:rPr lang="ko-KR" altLang="en-US"/>
+              <a:t/>
+            </a:r>
             <a:endParaRPr lang="ko-KR" altLang="en-US"/>
           </a:p>
         </p:txBody>
@@ -2089,7 +2102,7 @@
 </file>
 
 <file path=ppt/notesSlides/notesSlide18.xml><?xml version="1.0" encoding="utf-8"?>
-<p:notes xmlns:a="http://schemas.openxmlformats.org/drawingml/2006/main" xmlns:r="http://schemas.openxmlformats.org/officeDocument/2006/relationships" xmlns:p="http://schemas.openxmlformats.org/presentationml/2006/main" showMasterSp="0" showMasterPhAnim="0">
+<p:notes xmlns:r="http://schemas.openxmlformats.org/officeDocument/2006/relationships" xmlns:c="http://schemas.openxmlformats.org/drawingml/2006/chart" xmlns:a="http://schemas.openxmlformats.org/drawingml/2006/main" xmlns:dgm="http://schemas.openxmlformats.org/drawingml/2006/diagram" xmlns:dsp="http://schemas.microsoft.com/office/drawing/2008/diagram" xmlns:p="http://schemas.openxmlformats.org/presentationml/2006/main" showMasterSp="0" showMasterPhAnim="0">
   <p:cSld>
     <p:spTree>
       <p:nvGrpSpPr>
@@ -2123,8 +2136,6 @@
           <a:custGeom>
             <a:avLst/>
             <a:gdLst/>
-            <a:ahLst/>
-            <a:cxnLst/>
             <a:rect l="l" t="t" r="r" b="b"/>
             <a:pathLst>
               <a:path w="120000" h="120000" extrusionOk="0">
@@ -2181,6 +2192,10 @@
               <a:buNone/>
               <a:defRPr/>
             </a:pPr>
+            <a:r>
+              <a:rPr lang="ko-KR" altLang="en-US"/>
+              <a:t/>
+            </a:r>
             <a:endParaRPr lang="ko-KR" altLang="en-US"/>
           </a:p>
         </p:txBody>
@@ -2194,7 +2209,7 @@
 </file>
 
 <file path=ppt/notesSlides/notesSlide2.xml><?xml version="1.0" encoding="utf-8"?>
-<p:notes xmlns:a="http://schemas.openxmlformats.org/drawingml/2006/main" xmlns:r="http://schemas.openxmlformats.org/officeDocument/2006/relationships" xmlns:p="http://schemas.openxmlformats.org/presentationml/2006/main" showMasterSp="0" showMasterPhAnim="0">
+<p:notes xmlns:r="http://schemas.openxmlformats.org/officeDocument/2006/relationships" xmlns:c="http://schemas.openxmlformats.org/drawingml/2006/chart" xmlns:a="http://schemas.openxmlformats.org/drawingml/2006/main" xmlns:dgm="http://schemas.openxmlformats.org/drawingml/2006/diagram" xmlns:dsp="http://schemas.microsoft.com/office/drawing/2008/diagram" xmlns:p="http://schemas.openxmlformats.org/presentationml/2006/main" showMasterSp="0" showMasterPhAnim="0">
   <p:cSld>
     <p:spTree>
       <p:nvGrpSpPr>
@@ -2228,8 +2243,6 @@
           <a:custGeom>
             <a:avLst/>
             <a:gdLst/>
-            <a:ahLst/>
-            <a:cxnLst/>
             <a:rect l="l" t="t" r="r" b="b"/>
             <a:pathLst>
               <a:path w="120000" h="120000" extrusionOk="0">
@@ -2286,6 +2299,10 @@
               <a:buNone/>
               <a:defRPr/>
             </a:pPr>
+            <a:r>
+              <a:rPr lang="ko-KR" altLang="en-US"/>
+              <a:t/>
+            </a:r>
             <a:endParaRPr lang="ko-KR" altLang="en-US"/>
           </a:p>
         </p:txBody>
@@ -2299,7 +2316,7 @@
 </file>
 
 <file path=ppt/notesSlides/notesSlide3.xml><?xml version="1.0" encoding="utf-8"?>
-<p:notes xmlns:a="http://schemas.openxmlformats.org/drawingml/2006/main" xmlns:r="http://schemas.openxmlformats.org/officeDocument/2006/relationships" xmlns:p="http://schemas.openxmlformats.org/presentationml/2006/main" showMasterSp="0" showMasterPhAnim="0">
+<p:notes xmlns:r="http://schemas.openxmlformats.org/officeDocument/2006/relationships" xmlns:c="http://schemas.openxmlformats.org/drawingml/2006/chart" xmlns:a="http://schemas.openxmlformats.org/drawingml/2006/main" xmlns:dgm="http://schemas.openxmlformats.org/drawingml/2006/diagram" xmlns:dsp="http://schemas.microsoft.com/office/drawing/2008/diagram" xmlns:p="http://schemas.openxmlformats.org/presentationml/2006/main" showMasterSp="0" showMasterPhAnim="0">
   <p:cSld>
     <p:spTree>
       <p:nvGrpSpPr>
@@ -2333,8 +2350,6 @@
           <a:custGeom>
             <a:avLst/>
             <a:gdLst/>
-            <a:ahLst/>
-            <a:cxnLst/>
             <a:rect l="l" t="t" r="r" b="b"/>
             <a:pathLst>
               <a:path w="120000" h="120000" extrusionOk="0">
@@ -2391,6 +2406,10 @@
               <a:buNone/>
               <a:defRPr/>
             </a:pPr>
+            <a:r>
+              <a:rPr lang="ko-KR" altLang="en-US"/>
+              <a:t/>
+            </a:r>
             <a:endParaRPr lang="ko-KR" altLang="en-US"/>
           </a:p>
         </p:txBody>
@@ -2404,7 +2423,7 @@
 </file>
 
 <file path=ppt/notesSlides/notesSlide4.xml><?xml version="1.0" encoding="utf-8"?>
-<p:notes xmlns:a="http://schemas.openxmlformats.org/drawingml/2006/main" xmlns:r="http://schemas.openxmlformats.org/officeDocument/2006/relationships" xmlns:p="http://schemas.openxmlformats.org/presentationml/2006/main" showMasterSp="0" showMasterPhAnim="0">
+<p:notes xmlns:r="http://schemas.openxmlformats.org/officeDocument/2006/relationships" xmlns:c="http://schemas.openxmlformats.org/drawingml/2006/chart" xmlns:a="http://schemas.openxmlformats.org/drawingml/2006/main" xmlns:dgm="http://schemas.openxmlformats.org/drawingml/2006/diagram" xmlns:dsp="http://schemas.microsoft.com/office/drawing/2008/diagram" xmlns:p="http://schemas.openxmlformats.org/presentationml/2006/main" showMasterSp="0" showMasterPhAnim="0">
   <p:cSld>
     <p:spTree>
       <p:nvGrpSpPr>
@@ -2438,8 +2457,6 @@
           <a:custGeom>
             <a:avLst/>
             <a:gdLst/>
-            <a:ahLst/>
-            <a:cxnLst/>
             <a:rect l="l" t="t" r="r" b="b"/>
             <a:pathLst>
               <a:path w="120000" h="120000" extrusionOk="0">
@@ -2496,6 +2513,10 @@
               <a:buNone/>
               <a:defRPr/>
             </a:pPr>
+            <a:r>
+              <a:rPr lang="ko-KR" altLang="en-US"/>
+              <a:t/>
+            </a:r>
             <a:endParaRPr lang="ko-KR" altLang="en-US"/>
           </a:p>
         </p:txBody>
@@ -2509,7 +2530,7 @@
 </file>
 
 <file path=ppt/notesSlides/notesSlide5.xml><?xml version="1.0" encoding="utf-8"?>
-<p:notes xmlns:a="http://schemas.openxmlformats.org/drawingml/2006/main" xmlns:r="http://schemas.openxmlformats.org/officeDocument/2006/relationships" xmlns:p="http://schemas.openxmlformats.org/presentationml/2006/main" showMasterSp="0" showMasterPhAnim="0">
+<p:notes xmlns:r="http://schemas.openxmlformats.org/officeDocument/2006/relationships" xmlns:c="http://schemas.openxmlformats.org/drawingml/2006/chart" xmlns:a="http://schemas.openxmlformats.org/drawingml/2006/main" xmlns:dgm="http://schemas.openxmlformats.org/drawingml/2006/diagram" xmlns:dsp="http://schemas.microsoft.com/office/drawing/2008/diagram" xmlns:p="http://schemas.openxmlformats.org/presentationml/2006/main" showMasterSp="0" showMasterPhAnim="0">
   <p:cSld>
     <p:spTree>
       <p:nvGrpSpPr>
@@ -2543,8 +2564,6 @@
           <a:custGeom>
             <a:avLst/>
             <a:gdLst/>
-            <a:ahLst/>
-            <a:cxnLst/>
             <a:rect l="l" t="t" r="r" b="b"/>
             <a:pathLst>
               <a:path w="120000" h="120000" extrusionOk="0">
@@ -2601,6 +2620,10 @@
               <a:buNone/>
               <a:defRPr/>
             </a:pPr>
+            <a:r>
+              <a:rPr lang="ko-KR" altLang="en-US"/>
+              <a:t/>
+            </a:r>
             <a:endParaRPr lang="ko-KR" altLang="en-US"/>
           </a:p>
         </p:txBody>
@@ -2614,7 +2637,7 @@
 </file>
 
 <file path=ppt/notesSlides/notesSlide6.xml><?xml version="1.0" encoding="utf-8"?>
-<p:notes xmlns:a="http://schemas.openxmlformats.org/drawingml/2006/main" xmlns:r="http://schemas.openxmlformats.org/officeDocument/2006/relationships" xmlns:p="http://schemas.openxmlformats.org/presentationml/2006/main" showMasterSp="0" showMasterPhAnim="0">
+<p:notes xmlns:r="http://schemas.openxmlformats.org/officeDocument/2006/relationships" xmlns:c="http://schemas.openxmlformats.org/drawingml/2006/chart" xmlns:a="http://schemas.openxmlformats.org/drawingml/2006/main" xmlns:dgm="http://schemas.openxmlformats.org/drawingml/2006/diagram" xmlns:dsp="http://schemas.microsoft.com/office/drawing/2008/diagram" xmlns:p="http://schemas.openxmlformats.org/presentationml/2006/main" showMasterSp="0" showMasterPhAnim="0">
   <p:cSld>
     <p:spTree>
       <p:nvGrpSpPr>
@@ -2648,8 +2671,6 @@
           <a:custGeom>
             <a:avLst/>
             <a:gdLst/>
-            <a:ahLst/>
-            <a:cxnLst/>
             <a:rect l="l" t="t" r="r" b="b"/>
             <a:pathLst>
               <a:path w="120000" h="120000" extrusionOk="0">
@@ -2706,6 +2727,10 @@
               <a:buNone/>
               <a:defRPr/>
             </a:pPr>
+            <a:r>
+              <a:rPr lang="ko-KR" altLang="en-US"/>
+              <a:t/>
+            </a:r>
             <a:endParaRPr lang="ko-KR" altLang="en-US"/>
           </a:p>
         </p:txBody>
@@ -2719,7 +2744,7 @@
 </file>
 
 <file path=ppt/notesSlides/notesSlide7.xml><?xml version="1.0" encoding="utf-8"?>
-<p:notes xmlns:a="http://schemas.openxmlformats.org/drawingml/2006/main" xmlns:r="http://schemas.openxmlformats.org/officeDocument/2006/relationships" xmlns:p="http://schemas.openxmlformats.org/presentationml/2006/main" showMasterSp="0" showMasterPhAnim="0">
+<p:notes xmlns:r="http://schemas.openxmlformats.org/officeDocument/2006/relationships" xmlns:c="http://schemas.openxmlformats.org/drawingml/2006/chart" xmlns:a="http://schemas.openxmlformats.org/drawingml/2006/main" xmlns:dgm="http://schemas.openxmlformats.org/drawingml/2006/diagram" xmlns:dsp="http://schemas.microsoft.com/office/drawing/2008/diagram" xmlns:p="http://schemas.openxmlformats.org/presentationml/2006/main" showMasterSp="0" showMasterPhAnim="0">
   <p:cSld>
     <p:spTree>
       <p:nvGrpSpPr>
@@ -2753,8 +2778,6 @@
           <a:custGeom>
             <a:avLst/>
             <a:gdLst/>
-            <a:ahLst/>
-            <a:cxnLst/>
             <a:rect l="l" t="t" r="r" b="b"/>
             <a:pathLst>
               <a:path w="120000" h="120000" extrusionOk="0">
@@ -2811,6 +2834,10 @@
               <a:buNone/>
               <a:defRPr/>
             </a:pPr>
+            <a:r>
+              <a:rPr lang="ko-KR" altLang="en-US"/>
+              <a:t/>
+            </a:r>
             <a:endParaRPr lang="ko-KR" altLang="en-US"/>
           </a:p>
         </p:txBody>
@@ -2824,7 +2851,7 @@
 </file>
 
 <file path=ppt/notesSlides/notesSlide8.xml><?xml version="1.0" encoding="utf-8"?>
-<p:notes xmlns:a="http://schemas.openxmlformats.org/drawingml/2006/main" xmlns:r="http://schemas.openxmlformats.org/officeDocument/2006/relationships" xmlns:p="http://schemas.openxmlformats.org/presentationml/2006/main" showMasterSp="0" showMasterPhAnim="0">
+<p:notes xmlns:r="http://schemas.openxmlformats.org/officeDocument/2006/relationships" xmlns:c="http://schemas.openxmlformats.org/drawingml/2006/chart" xmlns:a="http://schemas.openxmlformats.org/drawingml/2006/main" xmlns:dgm="http://schemas.openxmlformats.org/drawingml/2006/diagram" xmlns:dsp="http://schemas.microsoft.com/office/drawing/2008/diagram" xmlns:p="http://schemas.openxmlformats.org/presentationml/2006/main" showMasterSp="0" showMasterPhAnim="0">
   <p:cSld>
     <p:spTree>
       <p:nvGrpSpPr>
@@ -2858,8 +2885,6 @@
           <a:custGeom>
             <a:avLst/>
             <a:gdLst/>
-            <a:ahLst/>
-            <a:cxnLst/>
             <a:rect l="l" t="t" r="r" b="b"/>
             <a:pathLst>
               <a:path w="120000" h="120000" extrusionOk="0">
@@ -2916,6 +2941,10 @@
               <a:buNone/>
               <a:defRPr/>
             </a:pPr>
+            <a:r>
+              <a:rPr lang="ko-KR" altLang="en-US"/>
+              <a:t/>
+            </a:r>
             <a:endParaRPr lang="ko-KR" altLang="en-US"/>
           </a:p>
         </p:txBody>
@@ -2929,7 +2958,7 @@
 </file>
 
 <file path=ppt/notesSlides/notesSlide9.xml><?xml version="1.0" encoding="utf-8"?>
-<p:notes xmlns:a="http://schemas.openxmlformats.org/drawingml/2006/main" xmlns:r="http://schemas.openxmlformats.org/officeDocument/2006/relationships" xmlns:p="http://schemas.openxmlformats.org/presentationml/2006/main" showMasterSp="0" showMasterPhAnim="0">
+<p:notes xmlns:r="http://schemas.openxmlformats.org/officeDocument/2006/relationships" xmlns:c="http://schemas.openxmlformats.org/drawingml/2006/chart" xmlns:a="http://schemas.openxmlformats.org/drawingml/2006/main" xmlns:dgm="http://schemas.openxmlformats.org/drawingml/2006/diagram" xmlns:dsp="http://schemas.microsoft.com/office/drawing/2008/diagram" xmlns:p="http://schemas.openxmlformats.org/presentationml/2006/main" showMasterSp="0" showMasterPhAnim="0">
   <p:cSld>
     <p:spTree>
       <p:nvGrpSpPr>
@@ -2963,8 +2992,6 @@
           <a:custGeom>
             <a:avLst/>
             <a:gdLst/>
-            <a:ahLst/>
-            <a:cxnLst/>
             <a:rect l="l" t="t" r="r" b="b"/>
             <a:pathLst>
               <a:path w="120000" h="120000" extrusionOk="0">
@@ -3021,6 +3048,10 @@
               <a:buNone/>
               <a:defRPr/>
             </a:pPr>
+            <a:r>
+              <a:rPr lang="ko-KR" altLang="en-US"/>
+              <a:t/>
+            </a:r>
             <a:endParaRPr lang="ko-KR" altLang="en-US"/>
           </a:p>
         </p:txBody>
@@ -5427,7 +5458,7 @@
 </file>
 
 <file path=ppt/slides/slide1.xml><?xml version="1.0" encoding="utf-8"?>
-<p:sld xmlns:a="http://schemas.openxmlformats.org/drawingml/2006/main" xmlns:r="http://schemas.openxmlformats.org/officeDocument/2006/relationships" xmlns:p="http://schemas.openxmlformats.org/presentationml/2006/main">
+<p:sld xmlns:r="http://schemas.openxmlformats.org/officeDocument/2006/relationships" xmlns:c="http://schemas.openxmlformats.org/drawingml/2006/chart" xmlns:a="http://schemas.openxmlformats.org/drawingml/2006/main" xmlns:dgm="http://schemas.openxmlformats.org/drawingml/2006/diagram" xmlns:dsp="http://schemas.microsoft.com/office/drawing/2008/diagram" xmlns:p="http://schemas.openxmlformats.org/presentationml/2006/main">
   <p:cSld>
     <p:spTree>
       <p:nvGrpSpPr>
@@ -5499,6 +5530,16 @@
               </a:rPr>
               <a:t>우성준</a:t>
             </a:r>
+            <a:endParaRPr lang="ko-KR" altLang="en-US" sz="2800">
+              <a:solidFill>
+                <a:schemeClr val="tx1">
+                  <a:lumMod val="50000"/>
+                </a:schemeClr>
+              </a:solidFill>
+              <a:latin typeface="+mn-ea"/>
+              <a:ea typeface="+mn-ea"/>
+              <a:cs typeface="Estrangelo Edessa"/>
+            </a:endParaRPr>
           </a:p>
           <a:p>
             <a:pPr algn="ctr">
@@ -5543,6 +5584,16 @@
               </a:rPr>
               <a:t>박찬휘</a:t>
             </a:r>
+            <a:endParaRPr lang="ko-KR" altLang="en-US" sz="2800">
+              <a:solidFill>
+                <a:schemeClr val="tx1">
+                  <a:lumMod val="50000"/>
+                </a:schemeClr>
+              </a:solidFill>
+              <a:latin typeface="+mn-ea"/>
+              <a:ea typeface="+mn-ea"/>
+              <a:cs typeface="Estrangelo Edessa"/>
+            </a:endParaRPr>
           </a:p>
           <a:p>
             <a:pPr algn="ctr">
@@ -5725,6 +5776,16 @@
               </a:rPr>
               <a:t>년도</a:t>
             </a:r>
+            <a:endParaRPr lang="ko-KR" altLang="en-US" sz="1200">
+              <a:solidFill>
+                <a:schemeClr val="tx1">
+                  <a:lumMod val="50000"/>
+                </a:schemeClr>
+              </a:solidFill>
+              <a:latin typeface="+mj-ea"/>
+              <a:ea typeface="+mj-ea"/>
+              <a:cs typeface="Estrangelo Edessa"/>
+            </a:endParaRPr>
           </a:p>
           <a:p>
             <a:pPr lvl="0">
@@ -6042,18 +6103,6 @@
               </a:rPr>
               <a:t>분노의 주먹</a:t>
             </a:r>
-            <a:r>
-              <a:rPr lang="ko-KR" altLang="en-US" sz="2400">
-                <a:solidFill>
-                  <a:schemeClr val="tx1">
-                    <a:lumMod val="50000"/>
-                  </a:schemeClr>
-                </a:solidFill>
-                <a:latin typeface="Candara"/>
-                <a:ea typeface="+mj-ea"/>
-              </a:rPr>
-              <a:t/>
-            </a:r>
             <a:br>
               <a:rPr lang="ko-KR" altLang="en-US" sz="2400">
                 <a:solidFill>
@@ -6087,6 +6136,14 @@
               </a:rPr>
               <a:t>Angry Control Disorder-</a:t>
             </a:r>
+            <a:endParaRPr lang="en-US" sz="2400">
+              <a:solidFill>
+                <a:schemeClr val="tx1">
+                  <a:lumMod val="50000"/>
+                </a:schemeClr>
+              </a:solidFill>
+              <a:latin typeface="Candara"/>
+            </a:endParaRPr>
           </a:p>
         </p:txBody>
       </p:sp>
@@ -6095,11 +6152,11 @@
   <p:clrMapOvr>
     <a:masterClrMapping/>
   </p:clrMapOvr>
-  <mc:AlternateContent xmlns:mc="http://schemas.openxmlformats.org/markup-compatibility/2006" xmlns:p14="http://schemas.microsoft.com/office/powerpoint/2010/main">
-    <mc:Choice Requires="p14">
-      <p:transition/>
+  <mc:AlternateContent xmlns:mc="http://schemas.openxmlformats.org/markup-compatibility/2006">
+    <mc:Choice xmlns:p14="http://schemas.microsoft.com/office/powerpoint/2010/main" Requires="p14">
+      <p:transition xmlns:mc="http://schemas.openxmlformats.org/markup-compatibility/2006" xmlns:p14="http://schemas.microsoft.com/office/powerpoint/2010/main" mc:Ignorable="p14" p14:dur="500"/>
     </mc:Choice>
-    <mc:Fallback xmlns:dsp="http://schemas.microsoft.com/office/drawing/2008/diagram" xmlns:dgm="http://schemas.openxmlformats.org/drawingml/2006/diagram" xmlns:c="http://schemas.openxmlformats.org/drawingml/2006/chart" xmlns="">
+    <mc:Fallback>
       <p:transition/>
     </mc:Fallback>
   </mc:AlternateContent>
@@ -8733,7 +8790,7 @@
 </file>
 
 <file path=ppt/slides/slide12.xml><?xml version="1.0" encoding="utf-8"?>
-<p:sld xmlns:a="http://schemas.openxmlformats.org/drawingml/2006/main" xmlns:r="http://schemas.openxmlformats.org/officeDocument/2006/relationships" xmlns:p="http://schemas.openxmlformats.org/presentationml/2006/main">
+<p:sld xmlns:r="http://schemas.openxmlformats.org/officeDocument/2006/relationships" xmlns:c="http://schemas.openxmlformats.org/drawingml/2006/chart" xmlns:a="http://schemas.openxmlformats.org/drawingml/2006/main" xmlns:dgm="http://schemas.openxmlformats.org/drawingml/2006/diagram" xmlns:dsp="http://schemas.microsoft.com/office/drawing/2008/diagram" xmlns:p="http://schemas.openxmlformats.org/presentationml/2006/main">
   <p:cSld>
     <p:spTree>
       <p:nvGrpSpPr>
@@ -8756,7 +8813,7 @@
             <a:spLocks noGrp="1"/>
           </p:cNvSpPr>
           <p:nvPr>
-            <p:ph type="title"/>
+            <p:ph type="title" idx="0"/>
           </p:nvPr>
         </p:nvSpPr>
         <p:spPr>
@@ -8881,7 +8938,7 @@
               <a:defRPr/>
             </a:pPr>
             <a:r>
-              <a:rPr lang="ko-KR" altLang="en-US" sz="1800" b="1" dirty="0" err="1">
+              <a:rPr lang="ko-KR" altLang="en-US" sz="1800" b="1">
                 <a:solidFill>
                   <a:schemeClr val="tx1">
                     <a:lumMod val="50000"/>
@@ -8894,7 +8951,7 @@
               </a:rPr>
               <a:t>타격감</a:t>
             </a:r>
-            <a:endParaRPr lang="ko-KR" altLang="en-US" sz="1800" b="1" dirty="0">
+            <a:endParaRPr lang="ko-KR" altLang="en-US" sz="1800" b="1">
               <a:solidFill>
                 <a:schemeClr val="tx1">
                   <a:lumMod val="50000"/>
@@ -8919,7 +8976,7 @@
               <a:defRPr/>
             </a:pPr>
             <a:r>
-              <a:rPr lang="ko-KR" altLang="en-US" sz="1600" b="1" dirty="0">
+              <a:rPr lang="ko-KR" altLang="en-US" sz="1600" b="1">
                 <a:solidFill>
                   <a:schemeClr val="tx1">
                     <a:lumMod val="50000"/>
@@ -8930,10 +8987,48 @@
                 <a:cs typeface="Lato"/>
                 <a:sym typeface="Lato"/>
               </a:rPr>
-              <a:t>타격</a:t>
+              <a:t>감각치환</a:t>
+            </a:r>
+            <a:endParaRPr lang="ko-KR" altLang="en-US" sz="1600" b="1">
+              <a:solidFill>
+                <a:schemeClr val="tx1">
+                  <a:lumMod val="50000"/>
+                </a:schemeClr>
+              </a:solidFill>
+              <a:latin typeface="Lato"/>
+              <a:ea typeface="Lato"/>
+              <a:cs typeface="Lato"/>
+              <a:sym typeface="Lato"/>
+            </a:endParaRPr>
+          </a:p>
+          <a:p>
+            <a:pPr marL="285750" lvl="0" indent="-285750" algn="l" rtl="0">
+              <a:spcBef>
+                <a:spcPts val="600"/>
+              </a:spcBef>
+              <a:spcAft>
+                <a:spcPts val="0"/>
+              </a:spcAft>
+              <a:buFontTx/>
+              <a:buChar char="-"/>
+              <a:defRPr/>
+            </a:pPr>
+            <a:r>
+              <a:rPr lang="ko-KR" altLang="en-US" sz="1600" b="1">
+                <a:solidFill>
+                  <a:schemeClr val="tx1">
+                    <a:lumMod val="50000"/>
+                  </a:schemeClr>
+                </a:solidFill>
+                <a:latin typeface="Lato"/>
+                <a:ea typeface="Lato"/>
+                <a:cs typeface="Lato"/>
+                <a:sym typeface="Lato"/>
+              </a:rPr>
+              <a:t>시</a:t>
             </a:r>
             <a:r>
-              <a:rPr lang="en-US" altLang="ko-KR" sz="1600" b="1" dirty="0">
+              <a:rPr lang="en-US" altLang="ko-KR" sz="1600" b="1">
                 <a:solidFill>
                   <a:schemeClr val="tx1">
                     <a:lumMod val="50000"/>
@@ -8947,7 +9042,7 @@
               <a:t>/</a:t>
             </a:r>
             <a:r>
-              <a:rPr lang="ko-KR" altLang="en-US" sz="1600" b="1" dirty="0">
+              <a:rPr lang="ko-KR" altLang="en-US" sz="1600" b="1">
                 <a:solidFill>
                   <a:schemeClr val="tx1">
                     <a:lumMod val="50000"/>
@@ -8958,8 +9053,19 @@
                 <a:cs typeface="Lato"/>
                 <a:sym typeface="Lato"/>
               </a:rPr>
-              <a:t>피격의 감각치환 연구</a:t>
+              <a:t>청각적 효과</a:t>
             </a:r>
+            <a:endParaRPr lang="ko-KR" altLang="en-US" sz="1600" b="1">
+              <a:solidFill>
+                <a:schemeClr val="tx1">
+                  <a:lumMod val="50000"/>
+                </a:schemeClr>
+              </a:solidFill>
+              <a:latin typeface="Lato"/>
+              <a:ea typeface="Lato"/>
+              <a:cs typeface="Lato"/>
+              <a:sym typeface="Lato"/>
+            </a:endParaRPr>
           </a:p>
           <a:p>
             <a:pPr marL="285750" lvl="0" indent="-285750" algn="l" rtl="0">
@@ -8973,76 +9079,7 @@
               <a:buChar char="-"/>
               <a:defRPr/>
             </a:pPr>
-            <a:r>
-              <a:rPr lang="ko-KR" altLang="en-US" sz="1600" b="1" dirty="0" err="1">
-                <a:solidFill>
-                  <a:schemeClr val="tx1">
-                    <a:lumMod val="50000"/>
-                  </a:schemeClr>
-                </a:solidFill>
-                <a:latin typeface="Lato"/>
-                <a:ea typeface="Lato"/>
-                <a:cs typeface="Lato"/>
-                <a:sym typeface="Lato"/>
-              </a:rPr>
-              <a:t>타격감에</a:t>
-            </a:r>
-            <a:r>
-              <a:rPr lang="ko-KR" altLang="en-US" sz="1600" b="1" dirty="0">
-                <a:solidFill>
-                  <a:schemeClr val="tx1">
-                    <a:lumMod val="50000"/>
-                  </a:schemeClr>
-                </a:solidFill>
-                <a:latin typeface="Lato"/>
-                <a:ea typeface="Lato"/>
-                <a:cs typeface="Lato"/>
-                <a:sym typeface="Lato"/>
-              </a:rPr>
-              <a:t> 영향을 주는 시</a:t>
-            </a:r>
-            <a:r>
-              <a:rPr lang="en-US" altLang="ko-KR" sz="1600" b="1" dirty="0">
-                <a:solidFill>
-                  <a:schemeClr val="tx1">
-                    <a:lumMod val="50000"/>
-                  </a:schemeClr>
-                </a:solidFill>
-                <a:latin typeface="Lato"/>
-                <a:ea typeface="Lato"/>
-                <a:cs typeface="Lato"/>
-                <a:sym typeface="Lato"/>
-              </a:rPr>
-              <a:t>/</a:t>
-            </a:r>
-            <a:r>
-              <a:rPr lang="ko-KR" altLang="en-US" sz="1600" b="1" dirty="0">
-                <a:solidFill>
-                  <a:schemeClr val="tx1">
-                    <a:lumMod val="50000"/>
-                  </a:schemeClr>
-                </a:solidFill>
-                <a:latin typeface="Lato"/>
-                <a:ea typeface="Lato"/>
-                <a:cs typeface="Lato"/>
-                <a:sym typeface="Lato"/>
-              </a:rPr>
-              <a:t>청각적 효과 반영</a:t>
-            </a:r>
-          </a:p>
-          <a:p>
-            <a:pPr marL="285750" lvl="0" indent="-285750" algn="l" rtl="0">
-              <a:spcBef>
-                <a:spcPts val="600"/>
-              </a:spcBef>
-              <a:spcAft>
-                <a:spcPts val="0"/>
-              </a:spcAft>
-              <a:buFontTx/>
-              <a:buChar char="-"/>
-              <a:defRPr/>
-            </a:pPr>
-            <a:endParaRPr lang="ko-KR" altLang="en-US" sz="1600" b="1" dirty="0">
+            <a:endParaRPr lang="ko-KR" altLang="en-US" sz="1600" b="1">
               <a:solidFill>
                 <a:schemeClr val="tx1">
                   <a:lumMod val="50000"/>
@@ -9065,7 +9102,7 @@
               <a:defRPr/>
             </a:pPr>
             <a:r>
-              <a:rPr lang="ko-KR" altLang="en-US" sz="1800" b="1" dirty="0">
+              <a:rPr lang="ko-KR" altLang="en-US" sz="1800" b="1">
                 <a:solidFill>
                   <a:schemeClr val="tx1">
                     <a:lumMod val="50000"/>
@@ -9078,7 +9115,7 @@
               </a:rPr>
               <a:t>애니메이션</a:t>
             </a:r>
-            <a:endParaRPr lang="ko-KR" altLang="en-US" sz="1600" b="1" dirty="0">
+            <a:endParaRPr lang="ko-KR" altLang="en-US" sz="1800" b="1">
               <a:solidFill>
                 <a:schemeClr val="tx1">
                   <a:lumMod val="50000"/>
@@ -9103,7 +9140,7 @@
               <a:defRPr/>
             </a:pPr>
             <a:r>
-              <a:rPr lang="ko-KR" altLang="en-US" sz="1600" b="1" dirty="0" err="1">
+              <a:rPr lang="ko-KR" altLang="en-US" sz="1600" b="1">
                 <a:solidFill>
                   <a:schemeClr val="tx1">
                     <a:lumMod val="50000"/>
@@ -9114,78 +9151,19 @@
                 <a:cs typeface="Lato"/>
                 <a:sym typeface="Lato"/>
               </a:rPr>
-              <a:t>스키닝</a:t>
+              <a:t>스키닝 애니메이션</a:t>
             </a:r>
-            <a:r>
-              <a:rPr lang="ko-KR" altLang="en-US" sz="1600" b="1" dirty="0">
-                <a:solidFill>
-                  <a:schemeClr val="tx1">
-                    <a:lumMod val="50000"/>
-                  </a:schemeClr>
-                </a:solidFill>
-                <a:latin typeface="Lato"/>
-                <a:ea typeface="Lato"/>
-                <a:cs typeface="Lato"/>
-                <a:sym typeface="Lato"/>
-              </a:rPr>
-              <a:t> 애니메이션을 이용한</a:t>
-            </a:r>
-            <a:r>
-              <a:rPr lang="en-US" altLang="ko-KR" sz="1600" b="1" dirty="0">
-                <a:solidFill>
-                  <a:schemeClr val="tx1">
-                    <a:lumMod val="50000"/>
-                  </a:schemeClr>
-                </a:solidFill>
-                <a:latin typeface="Lato"/>
-                <a:ea typeface="Lato"/>
-                <a:cs typeface="Lato"/>
-                <a:sym typeface="Lato"/>
-              </a:rPr>
-              <a:t> </a:t>
-            </a:r>
-            <a:r>
-              <a:rPr lang="ko-KR" altLang="en-US" sz="1600" b="1" dirty="0">
-                <a:solidFill>
-                  <a:schemeClr val="tx1">
-                    <a:lumMod val="50000"/>
-                  </a:schemeClr>
-                </a:solidFill>
-                <a:latin typeface="Lato"/>
-                <a:ea typeface="Lato"/>
-                <a:cs typeface="Lato"/>
-                <a:sym typeface="Lato"/>
-              </a:rPr>
-              <a:t>부드러운 모션</a:t>
-            </a:r>
-            <a:r>
-              <a:rPr lang="en-US" altLang="ko-KR" sz="1600" b="1" dirty="0">
-                <a:solidFill>
-                  <a:schemeClr val="tx1">
-                    <a:lumMod val="50000"/>
-                  </a:schemeClr>
-                </a:solidFill>
-                <a:latin typeface="Lato"/>
-                <a:ea typeface="Lato"/>
-                <a:cs typeface="Lato"/>
-                <a:sym typeface="Lato"/>
-              </a:rPr>
-              <a:t> </a:t>
-            </a:r>
-            <a:r>
-              <a:rPr lang="ko-KR" altLang="en-US" sz="1600" b="1" dirty="0">
-                <a:solidFill>
-                  <a:schemeClr val="tx1">
-                    <a:lumMod val="50000"/>
-                  </a:schemeClr>
-                </a:solidFill>
-                <a:latin typeface="Lato"/>
-                <a:ea typeface="Lato"/>
-                <a:cs typeface="Lato"/>
-                <a:sym typeface="Lato"/>
-              </a:rPr>
-              <a:t>적용</a:t>
-            </a:r>
+            <a:endParaRPr lang="ko-KR" altLang="en-US" sz="1600" b="1">
+              <a:solidFill>
+                <a:schemeClr val="tx1">
+                  <a:lumMod val="50000"/>
+                </a:schemeClr>
+              </a:solidFill>
+              <a:latin typeface="Lato"/>
+              <a:ea typeface="Lato"/>
+              <a:cs typeface="Lato"/>
+              <a:sym typeface="Lato"/>
+            </a:endParaRPr>
           </a:p>
         </p:txBody>
       </p:sp>
@@ -9266,7 +9244,7 @@
         </p:xfrm>
         <a:graphic>
           <a:graphicData uri="http://schemas.openxmlformats.org/drawingml/2006/chart">
-            <c:chart xmlns:c="http://schemas.openxmlformats.org/drawingml/2006/chart" xmlns:r="http://schemas.openxmlformats.org/officeDocument/2006/relationships" r:id="rId3"/>
+            <c:chart r:id="rId3"/>
           </a:graphicData>
         </a:graphic>
       </p:graphicFrame>
@@ -9275,11 +9253,11 @@
   <p:clrMapOvr>
     <a:masterClrMapping/>
   </p:clrMapOvr>
-  <mc:AlternateContent xmlns:mc="http://schemas.openxmlformats.org/markup-compatibility/2006" xmlns:p14="http://schemas.microsoft.com/office/powerpoint/2010/main">
-    <mc:Choice Requires="p14">
-      <p:transition/>
+  <mc:AlternateContent xmlns:mc="http://schemas.openxmlformats.org/markup-compatibility/2006">
+    <mc:Choice xmlns:p14="http://schemas.microsoft.com/office/powerpoint/2010/main" Requires="p14">
+      <p:transition xmlns:mc="http://schemas.openxmlformats.org/markup-compatibility/2006" xmlns:p14="http://schemas.microsoft.com/office/powerpoint/2010/main" mc:Ignorable="p14" p14:dur="500"/>
     </mc:Choice>
-    <mc:Fallback xmlns:dsp="http://schemas.microsoft.com/office/drawing/2008/diagram" xmlns:dgm="http://schemas.openxmlformats.org/drawingml/2006/diagram" xmlns:c="http://schemas.openxmlformats.org/drawingml/2006/chart" xmlns="">
+    <mc:Fallback>
       <p:transition/>
     </mc:Fallback>
   </mc:AlternateContent>
@@ -20870,7 +20848,7 @@
 </file>
 
 <file path=ppt/slides/slide3.xml><?xml version="1.0" encoding="utf-8"?>
-<p:sld xmlns:a="http://schemas.openxmlformats.org/drawingml/2006/main" xmlns:r="http://schemas.openxmlformats.org/officeDocument/2006/relationships" xmlns:p="http://schemas.openxmlformats.org/presentationml/2006/main">
+<p:sld xmlns:r="http://schemas.openxmlformats.org/officeDocument/2006/relationships" xmlns:c="http://schemas.openxmlformats.org/drawingml/2006/chart" xmlns:a="http://schemas.openxmlformats.org/drawingml/2006/main" xmlns:dgm="http://schemas.openxmlformats.org/drawingml/2006/diagram" xmlns:dsp="http://schemas.microsoft.com/office/drawing/2008/diagram" xmlns:p="http://schemas.openxmlformats.org/presentationml/2006/main">
   <p:cSld>
     <p:spTree>
       <p:nvGrpSpPr>
@@ -20893,7 +20871,7 @@
             <a:spLocks noGrp="1"/>
           </p:cNvSpPr>
           <p:nvPr>
-            <p:ph type="title"/>
+            <p:ph type="title" idx="0"/>
           </p:nvPr>
         </p:nvSpPr>
         <p:spPr>
@@ -21020,7 +20998,7 @@
               <a:defRPr/>
             </a:pPr>
             <a:r>
-              <a:rPr lang="en-US" altLang="ko-KR" sz="1800" b="1" dirty="0">
+              <a:rPr lang="en-US" altLang="ko-KR" sz="1800" b="1">
                 <a:solidFill>
                   <a:schemeClr val="tx2">
                     <a:lumMod val="10000"/>
@@ -21034,7 +21012,7 @@
               <a:t>DirectX12</a:t>
             </a:r>
             <a:r>
-              <a:rPr lang="ko-KR" altLang="en-US" sz="1800" b="1" dirty="0">
+              <a:rPr lang="ko-KR" altLang="en-US" sz="1800" b="1">
                 <a:solidFill>
                   <a:schemeClr val="tx2">
                     <a:lumMod val="10000"/>
@@ -21048,7 +21026,7 @@
               <a:t>를 이용한 </a:t>
             </a:r>
             <a:r>
-              <a:rPr lang="en-US" altLang="ko-KR" sz="1800" b="1" dirty="0">
+              <a:rPr lang="en-US" altLang="ko-KR" sz="1800" b="1">
                 <a:solidFill>
                   <a:schemeClr val="tx2">
                     <a:lumMod val="10000"/>
@@ -21062,7 +21040,7 @@
               <a:t>3D </a:t>
             </a:r>
             <a:r>
-              <a:rPr lang="ko-KR" altLang="en-US" sz="1800" b="1" dirty="0">
+              <a:rPr lang="ko-KR" altLang="en-US" sz="1800" b="1">
                 <a:solidFill>
                   <a:schemeClr val="tx2">
                     <a:lumMod val="10000"/>
@@ -21075,6 +21053,17 @@
               </a:rPr>
               <a:t>게임 제작</a:t>
             </a:r>
+            <a:endParaRPr lang="ko-KR" altLang="en-US" sz="1800" b="1">
+              <a:solidFill>
+                <a:schemeClr val="tx2">
+                  <a:lumMod val="10000"/>
+                </a:schemeClr>
+              </a:solidFill>
+              <a:latin typeface="Lato"/>
+              <a:ea typeface="Lato"/>
+              <a:cs typeface="Lato"/>
+              <a:sym typeface="Lato"/>
+            </a:endParaRPr>
           </a:p>
           <a:p>
             <a:pPr marL="285750" lvl="0" indent="-285750">
@@ -21086,7 +21075,7 @@
               <a:defRPr/>
             </a:pPr>
             <a:r>
-              <a:rPr lang="en-US" altLang="ko-KR" sz="1800" b="1" dirty="0" err="1">
+              <a:rPr lang="en-US" altLang="ko-KR" sz="1800" b="1">
                 <a:solidFill>
                   <a:schemeClr val="tx2">
                     <a:lumMod val="10000"/>
@@ -21097,24 +21086,10 @@
                 <a:cs typeface="Lato"/>
                 <a:sym typeface="Lato"/>
               </a:rPr>
-              <a:t>Git</a:t>
+              <a:t>Git, VS Live Share</a:t>
             </a:r>
             <a:r>
-              <a:rPr lang="en-US" altLang="ko-KR" sz="1800" b="1" dirty="0">
-                <a:solidFill>
-                  <a:schemeClr val="tx2">
-                    <a:lumMod val="10000"/>
-                  </a:schemeClr>
-                </a:solidFill>
-                <a:latin typeface="Lato"/>
-                <a:ea typeface="Lato"/>
-                <a:cs typeface="Lato"/>
-                <a:sym typeface="Lato"/>
-              </a:rPr>
-              <a:t>, VS Live Share</a:t>
-            </a:r>
-            <a:r>
-              <a:rPr lang="ko-KR" altLang="en-US" sz="1800" b="1" dirty="0">
+              <a:rPr lang="ko-KR" altLang="en-US" sz="1800" b="1">
                 <a:solidFill>
                   <a:schemeClr val="tx2">
                     <a:lumMod val="10000"/>
@@ -21127,6 +21102,17 @@
               </a:rPr>
               <a:t>를 활용한 협업 능력 상승</a:t>
             </a:r>
+            <a:endParaRPr lang="ko-KR" altLang="en-US" sz="1800" b="1">
+              <a:solidFill>
+                <a:schemeClr val="tx2">
+                  <a:lumMod val="10000"/>
+                </a:schemeClr>
+              </a:solidFill>
+              <a:latin typeface="Lato"/>
+              <a:ea typeface="Lato"/>
+              <a:cs typeface="Lato"/>
+              <a:sym typeface="Lato"/>
+            </a:endParaRPr>
           </a:p>
           <a:p>
             <a:pPr marL="285750" indent="-285750">
@@ -21138,7 +21124,7 @@
               <a:defRPr/>
             </a:pPr>
             <a:r>
-              <a:rPr lang="en-US" altLang="ko-KR" sz="1800" b="1" dirty="0">
+              <a:rPr lang="en-US" altLang="ko-KR" sz="1800" b="1">
                 <a:solidFill>
                   <a:schemeClr val="tx2">
                     <a:lumMod val="10000"/>
@@ -21152,7 +21138,7 @@
               <a:t>3D </a:t>
             </a:r>
             <a:r>
-              <a:rPr lang="ko-KR" altLang="en-US" sz="1800" b="1" dirty="0">
+              <a:rPr lang="ko-KR" altLang="en-US" sz="1800" b="1">
                 <a:solidFill>
                   <a:schemeClr val="tx2">
                     <a:lumMod val="10000"/>
@@ -21163,10 +21149,34 @@
                 <a:cs typeface="Lato"/>
                 <a:sym typeface="Lato"/>
               </a:rPr>
-              <a:t>그래픽스 효과 처리를 통한 </a:t>
+              <a:t>그래픽스 효과 처리를 통한 쉐이더 프로그래밍 능력 향상</a:t>
             </a:r>
+            <a:endParaRPr lang="ko-KR" altLang="en-US" sz="1800" b="1">
+              <a:solidFill>
+                <a:schemeClr val="tx2">
+                  <a:lumMod val="10000"/>
+                </a:schemeClr>
+              </a:solidFill>
+              <a:latin typeface="Lato"/>
+              <a:ea typeface="Lato"/>
+              <a:cs typeface="Lato"/>
+              <a:sym typeface="Lato"/>
+            </a:endParaRPr>
+          </a:p>
+          <a:p>
+            <a:pPr marL="285750" lvl="0" indent="-285750" algn="l" rtl="0">
+              <a:spcBef>
+                <a:spcPts val="600"/>
+              </a:spcBef>
+              <a:spcAft>
+                <a:spcPts val="0"/>
+              </a:spcAft>
+              <a:buFontTx/>
+              <a:buChar char="-"/>
+              <a:defRPr/>
+            </a:pPr>
             <a:r>
-              <a:rPr lang="ko-KR" altLang="en-US" sz="1800" b="1" dirty="0" err="1">
+              <a:rPr lang="ko-KR" altLang="en-US" sz="1800" b="1">
                 <a:solidFill>
                   <a:schemeClr val="tx2">
                     <a:lumMod val="10000"/>
@@ -21177,64 +21187,9 @@
                 <a:cs typeface="Lato"/>
                 <a:sym typeface="Lato"/>
               </a:rPr>
-              <a:t>쉐이더</a:t>
+              <a:t>타격감 설문 조사를 통한 피드백 반영</a:t>
             </a:r>
-            <a:r>
-              <a:rPr lang="ko-KR" altLang="en-US" sz="1800" b="1" dirty="0">
-                <a:solidFill>
-                  <a:schemeClr val="tx2">
-                    <a:lumMod val="10000"/>
-                  </a:schemeClr>
-                </a:solidFill>
-                <a:latin typeface="Lato"/>
-                <a:ea typeface="Lato"/>
-                <a:cs typeface="Lato"/>
-                <a:sym typeface="Lato"/>
-              </a:rPr>
-              <a:t> 프로그래밍 능력 향상</a:t>
-            </a:r>
-          </a:p>
-          <a:p>
-            <a:pPr marL="285750" lvl="0" indent="-285750" algn="l" rtl="0">
-              <a:spcBef>
-                <a:spcPts val="600"/>
-              </a:spcBef>
-              <a:spcAft>
-                <a:spcPts val="0"/>
-              </a:spcAft>
-              <a:buFontTx/>
-              <a:buChar char="-"/>
-              <a:defRPr/>
-            </a:pPr>
-            <a:r>
-              <a:rPr lang="ko-KR" altLang="en-US" sz="1800" b="1" dirty="0" err="1">
-                <a:solidFill>
-                  <a:schemeClr val="tx2">
-                    <a:lumMod val="10000"/>
-                  </a:schemeClr>
-                </a:solidFill>
-                <a:latin typeface="Lato"/>
-                <a:ea typeface="Lato"/>
-                <a:cs typeface="Lato"/>
-                <a:sym typeface="Lato"/>
-              </a:rPr>
-              <a:t>타격감</a:t>
-            </a:r>
-            <a:r>
-              <a:rPr lang="ko-KR" altLang="en-US" sz="1800" b="1" dirty="0">
-                <a:solidFill>
-                  <a:schemeClr val="tx2">
-                    <a:lumMod val="10000"/>
-                  </a:schemeClr>
-                </a:solidFill>
-                <a:latin typeface="Lato"/>
-                <a:ea typeface="Lato"/>
-                <a:cs typeface="Lato"/>
-                <a:sym typeface="Lato"/>
-              </a:rPr>
-              <a:t> 설문 조사를 통한 피드백 반영</a:t>
-            </a:r>
-            <a:endParaRPr lang="en-US" altLang="ko-KR" sz="1800" b="1" dirty="0">
+            <a:endParaRPr lang="en-US" altLang="ko-KR" sz="1800" b="1">
               <a:solidFill>
                 <a:schemeClr val="tx2">
                   <a:lumMod val="10000"/>
@@ -21318,11 +21273,11 @@
   <p:clrMapOvr>
     <a:masterClrMapping/>
   </p:clrMapOvr>
-  <mc:AlternateContent xmlns:mc="http://schemas.openxmlformats.org/markup-compatibility/2006" xmlns:p14="http://schemas.microsoft.com/office/powerpoint/2010/main">
-    <mc:Choice Requires="p14">
-      <p:transition/>
+  <mc:AlternateContent xmlns:mc="http://schemas.openxmlformats.org/markup-compatibility/2006">
+    <mc:Choice xmlns:p14="http://schemas.microsoft.com/office/powerpoint/2010/main" Requires="p14">
+      <p:transition xmlns:mc="http://schemas.openxmlformats.org/markup-compatibility/2006" xmlns:p14="http://schemas.microsoft.com/office/powerpoint/2010/main" mc:Ignorable="p14" p14:dur="500"/>
     </mc:Choice>
-    <mc:Fallback xmlns:dsp="http://schemas.microsoft.com/office/drawing/2008/diagram" xmlns:dgm="http://schemas.openxmlformats.org/drawingml/2006/diagram" xmlns:c="http://schemas.openxmlformats.org/drawingml/2006/chart" xmlns="">
+    <mc:Fallback>
       <p:transition/>
     </mc:Fallback>
   </mc:AlternateContent>
@@ -21734,7 +21689,7 @@
 </file>
 
 <file path=ppt/slides/slide5.xml><?xml version="1.0" encoding="utf-8"?>
-<p:sld xmlns:a="http://schemas.openxmlformats.org/drawingml/2006/main" xmlns:r="http://schemas.openxmlformats.org/officeDocument/2006/relationships" xmlns:p="http://schemas.openxmlformats.org/presentationml/2006/main">
+<p:sld xmlns:r="http://schemas.openxmlformats.org/officeDocument/2006/relationships" xmlns:c="http://schemas.openxmlformats.org/drawingml/2006/chart" xmlns:a="http://schemas.openxmlformats.org/drawingml/2006/main" xmlns:dgm="http://schemas.openxmlformats.org/drawingml/2006/diagram" xmlns:dsp="http://schemas.microsoft.com/office/drawing/2008/diagram" xmlns:p="http://schemas.openxmlformats.org/presentationml/2006/main">
   <p:cSld>
     <p:spTree>
       <p:nvGrpSpPr>
@@ -21757,7 +21712,7 @@
             <a:spLocks noGrp="1"/>
           </p:cNvSpPr>
           <p:nvPr>
-            <p:ph type="title"/>
+            <p:ph type="title" idx="0"/>
           </p:nvPr>
         </p:nvSpPr>
         <p:spPr>
@@ -21932,21 +21887,7 @@
               <a:defRPr/>
             </a:pPr>
             <a:r>
-              <a:rPr lang="ko-KR" altLang="en-US" sz="1800" b="1" dirty="0">
-                <a:solidFill>
-                  <a:schemeClr val="tx2">
-                    <a:lumMod val="10000"/>
-                  </a:schemeClr>
-                </a:solidFill>
-                <a:latin typeface="Lato"/>
-                <a:ea typeface="Lato"/>
-                <a:cs typeface="Lato"/>
-                <a:sym typeface="Lato"/>
-              </a:rPr>
-              <a:t>실제 복싱 경기 방식 차용하여 </a:t>
-            </a:r>
-            <a:r>
-              <a:rPr lang="en-US" altLang="ko-KR" sz="1800" b="1" dirty="0">
+              <a:rPr lang="en-US" altLang="ko-KR" sz="1800" b="1">
                 <a:solidFill>
                   <a:schemeClr val="tx2">
                     <a:lumMod val="10000"/>
@@ -21960,7 +21901,7 @@
               <a:t>Custom Rule </a:t>
             </a:r>
             <a:r>
-              <a:rPr lang="ko-KR" altLang="en-US" sz="1800" b="1" dirty="0">
+              <a:rPr lang="ko-KR" altLang="en-US" sz="1800" b="1">
                 <a:solidFill>
                   <a:schemeClr val="tx2">
                     <a:lumMod val="10000"/>
@@ -21973,6 +21914,17 @@
               </a:rPr>
               <a:t>반영</a:t>
             </a:r>
+            <a:endParaRPr lang="ko-KR" altLang="en-US" sz="1800" b="1">
+              <a:solidFill>
+                <a:schemeClr val="tx2">
+                  <a:lumMod val="10000"/>
+                </a:schemeClr>
+              </a:solidFill>
+              <a:latin typeface="Lato"/>
+              <a:ea typeface="Lato"/>
+              <a:cs typeface="Lato"/>
+              <a:sym typeface="Lato"/>
+            </a:endParaRPr>
           </a:p>
           <a:p>
             <a:pPr marL="285750" lvl="0" indent="-285750" algn="l" rtl="0">
@@ -21987,7 +21939,7 @@
               <a:defRPr/>
             </a:pPr>
             <a:r>
-              <a:rPr lang="ko-KR" altLang="en-US" sz="1800" b="1" dirty="0">
+              <a:rPr lang="ko-KR" altLang="en-US" sz="1800" b="1">
                 <a:solidFill>
                   <a:schemeClr val="tx2">
                     <a:lumMod val="10000"/>
@@ -21998,11 +21950,22 @@
                 <a:cs typeface="Lato"/>
                 <a:sym typeface="Lato"/>
               </a:rPr>
-              <a:t>라운드 별로 특정 업적 달성 시 연계기 및 기술 획득</a:t>
+              <a:t>업적 달성 시스템</a:t>
             </a:r>
+            <a:endParaRPr lang="ko-KR" altLang="en-US" sz="1600" b="1">
+              <a:solidFill>
+                <a:schemeClr val="tx2">
+                  <a:lumMod val="10000"/>
+                </a:schemeClr>
+              </a:solidFill>
+              <a:latin typeface="Lato"/>
+              <a:ea typeface="Lato"/>
+              <a:cs typeface="Lato"/>
+              <a:sym typeface="Lato"/>
+            </a:endParaRPr>
           </a:p>
           <a:p>
-            <a:pPr marL="285750" lvl="0" indent="-285750" algn="l" rtl="0">
+            <a:pPr marL="0" lvl="0" indent="0" algn="l" rtl="0">
               <a:spcBef>
                 <a:spcPts val="600"/>
               </a:spcBef>
@@ -22010,11 +21973,11 @@
                 <a:spcPts val="0"/>
               </a:spcAft>
               <a:buFontTx/>
-              <a:buChar char="-"/>
+              <a:buNone/>
               <a:defRPr/>
             </a:pPr>
             <a:r>
-              <a:rPr lang="ko-KR" altLang="en-US" sz="1800" b="1" dirty="0">
+              <a:rPr lang="ko-KR" altLang="en-US" sz="1600" b="1">
                 <a:solidFill>
                   <a:schemeClr val="tx2">
                     <a:lumMod val="10000"/>
@@ -22025,20 +21988,10 @@
                 <a:cs typeface="Lato"/>
                 <a:sym typeface="Lato"/>
               </a:rPr>
-              <a:t>해당 경기가 진행되는 동안 획득한 연계기 및 기술 사용 가능</a:t>
+              <a:t>	</a:t>
             </a:r>
-          </a:p>
-          <a:p>
-            <a:pPr marL="285750" indent="-285750">
-              <a:spcBef>
-                <a:spcPts val="600"/>
-              </a:spcBef>
-              <a:buFontTx/>
-              <a:buChar char="-"/>
-              <a:defRPr/>
-            </a:pPr>
             <a:r>
-              <a:rPr lang="en-US" altLang="ko-KR" sz="1800" b="1" dirty="0" smtClean="0">
+              <a:rPr lang="en-US" altLang="ko-KR" sz="1600" b="1">
                 <a:solidFill>
                   <a:schemeClr val="tx2">
                     <a:lumMod val="10000"/>
@@ -22049,24 +22002,10 @@
                 <a:cs typeface="Lato"/>
                 <a:sym typeface="Lato"/>
               </a:rPr>
-              <a:t>Ex</a:t>
+              <a:t>Ex) ‘</a:t>
             </a:r>
             <a:r>
-              <a:rPr lang="en-US" altLang="ko-KR" sz="1800" b="1" dirty="0">
-                <a:solidFill>
-                  <a:schemeClr val="tx2">
-                    <a:lumMod val="10000"/>
-                  </a:schemeClr>
-                </a:solidFill>
-                <a:latin typeface="Lato"/>
-                <a:ea typeface="Lato"/>
-                <a:cs typeface="Lato"/>
-                <a:sym typeface="Lato"/>
-              </a:rPr>
-              <a:t>) ‘</a:t>
-            </a:r>
-            <a:r>
-              <a:rPr lang="ko-KR" altLang="en-US" sz="1800" b="1" dirty="0">
+              <a:rPr lang="ko-KR" altLang="en-US" sz="1600" b="1">
                 <a:solidFill>
                   <a:schemeClr val="tx2">
                     <a:lumMod val="10000"/>
@@ -22080,7 +22019,7 @@
               <a:t>잽 </a:t>
             </a:r>
             <a:r>
-              <a:rPr lang="en-US" altLang="ko-KR" sz="1800" b="1" dirty="0">
+              <a:rPr lang="en-US" altLang="ko-KR" sz="1600" b="1">
                 <a:solidFill>
                   <a:schemeClr val="tx2">
                     <a:lumMod val="10000"/>
@@ -22094,7 +22033,7 @@
               <a:t>3</a:t>
             </a:r>
             <a:r>
-              <a:rPr lang="ko-KR" altLang="en-US" sz="1800" b="1" dirty="0">
+              <a:rPr lang="ko-KR" altLang="en-US" sz="1600" b="1">
                 <a:solidFill>
                   <a:schemeClr val="tx2">
                     <a:lumMod val="10000"/>
@@ -22108,7 +22047,7 @@
               <a:t>회 타격 성공</a:t>
             </a:r>
             <a:r>
-              <a:rPr lang="en-US" altLang="ko-KR" sz="1800" b="1" dirty="0">
+              <a:rPr lang="en-US" altLang="ko-KR" sz="1600" b="1">
                 <a:solidFill>
                   <a:schemeClr val="tx2">
                     <a:lumMod val="10000"/>
@@ -22122,7 +22061,7 @@
               <a:t>’</a:t>
             </a:r>
             <a:r>
-              <a:rPr lang="ko-KR" altLang="en-US" sz="1800" b="1" dirty="0">
+              <a:rPr lang="ko-KR" altLang="en-US" sz="1600" b="1">
                 <a:solidFill>
                   <a:schemeClr val="tx2">
                     <a:lumMod val="10000"/>
@@ -22136,7 +22075,7 @@
               <a:t> 업적 달성 시 </a:t>
             </a:r>
             <a:r>
-              <a:rPr lang="en-US" altLang="ko-KR" sz="1800" b="1" dirty="0">
+              <a:rPr lang="en-US" altLang="ko-KR" sz="1600" b="1">
                 <a:solidFill>
                   <a:schemeClr val="tx2">
                     <a:lumMod val="10000"/>
@@ -22150,7 +22089,7 @@
               <a:t>‘</a:t>
             </a:r>
             <a:r>
-              <a:rPr lang="ko-KR" altLang="en-US" sz="1800" b="1" dirty="0" err="1">
+              <a:rPr lang="ko-KR" altLang="en-US" sz="1600" b="1">
                 <a:solidFill>
                   <a:schemeClr val="tx2">
                     <a:lumMod val="10000"/>
@@ -22164,7 +22103,7 @@
               <a:t>원투훅</a:t>
             </a:r>
             <a:r>
-              <a:rPr lang="en-US" altLang="ko-KR" sz="1800" b="1" dirty="0">
+              <a:rPr lang="en-US" altLang="ko-KR" sz="1600" b="1">
                 <a:solidFill>
                   <a:schemeClr val="tx2">
                     <a:lumMod val="10000"/>
@@ -22178,7 +22117,7 @@
               <a:t>’</a:t>
             </a:r>
             <a:r>
-              <a:rPr lang="ko-KR" altLang="en-US" sz="1800" b="1" dirty="0">
+              <a:rPr lang="ko-KR" altLang="en-US" sz="1600" b="1">
                 <a:solidFill>
                   <a:schemeClr val="tx2">
                     <a:lumMod val="10000"/>
@@ -22191,9 +22130,20 @@
               </a:rPr>
               <a:t> 연계기 사용 가능</a:t>
             </a:r>
+            <a:endParaRPr lang="ko-KR" altLang="en-US" sz="1600" b="1">
+              <a:solidFill>
+                <a:schemeClr val="tx2">
+                  <a:lumMod val="10000"/>
+                </a:schemeClr>
+              </a:solidFill>
+              <a:latin typeface="Lato"/>
+              <a:ea typeface="Lato"/>
+              <a:cs typeface="Lato"/>
+              <a:sym typeface="Lato"/>
+            </a:endParaRPr>
           </a:p>
           <a:p>
-            <a:pPr marL="285750" lvl="0" indent="-285750" algn="l" rtl="0">
+            <a:pPr marL="0" lvl="0" indent="0" algn="l" rtl="0">
               <a:spcBef>
                 <a:spcPts val="600"/>
               </a:spcBef>
@@ -22201,11 +22151,11 @@
                 <a:spcPts val="0"/>
               </a:spcAft>
               <a:buFontTx/>
-              <a:buChar char="-"/>
+              <a:buNone/>
               <a:defRPr/>
             </a:pPr>
             <a:r>
-              <a:rPr lang="en-US" altLang="ko-KR" sz="1800" b="1" dirty="0" smtClean="0">
+              <a:rPr lang="ko-KR" altLang="en-US" sz="1600" b="1">
                 <a:solidFill>
                   <a:schemeClr val="tx2">
                     <a:lumMod val="10000"/>
@@ -22216,10 +22166,94 @@
                 <a:cs typeface="Lato"/>
                 <a:sym typeface="Lato"/>
               </a:rPr>
-              <a:t>Ex) </a:t>
+              <a:t>	</a:t>
             </a:r>
             <a:r>
-              <a:rPr lang="en-US" altLang="ko-KR" sz="1800" b="1" dirty="0">
+              <a:rPr lang="en-US" altLang="ko-KR" sz="1600" b="1">
+                <a:solidFill>
+                  <a:schemeClr val="tx2">
+                    <a:lumMod val="10000"/>
+                  </a:schemeClr>
+                </a:solidFill>
+                <a:latin typeface="Lato"/>
+                <a:ea typeface="Lato"/>
+                <a:cs typeface="Lato"/>
+                <a:sym typeface="Lato"/>
+              </a:rPr>
+              <a:t>Ex) ‘</a:t>
+            </a:r>
+            <a:r>
+              <a:rPr lang="ko-KR" altLang="en-US" sz="1600" b="1">
+                <a:solidFill>
+                  <a:schemeClr val="tx2">
+                    <a:lumMod val="10000"/>
+                  </a:schemeClr>
+                </a:solidFill>
+                <a:latin typeface="Lato"/>
+                <a:ea typeface="Lato"/>
+                <a:cs typeface="Lato"/>
+                <a:sym typeface="Lato"/>
+              </a:rPr>
+              <a:t>가드 </a:t>
+            </a:r>
+            <a:r>
+              <a:rPr lang="en-US" altLang="ko-KR" sz="1600" b="1">
+                <a:solidFill>
+                  <a:schemeClr val="tx2">
+                    <a:lumMod val="10000"/>
+                  </a:schemeClr>
+                </a:solidFill>
+                <a:latin typeface="Lato"/>
+                <a:ea typeface="Lato"/>
+                <a:cs typeface="Lato"/>
+                <a:sym typeface="Lato"/>
+              </a:rPr>
+              <a:t>3</a:t>
+            </a:r>
+            <a:r>
+              <a:rPr lang="ko-KR" altLang="en-US" sz="1600" b="1">
+                <a:solidFill>
+                  <a:schemeClr val="tx2">
+                    <a:lumMod val="10000"/>
+                  </a:schemeClr>
+                </a:solidFill>
+                <a:latin typeface="Lato"/>
+                <a:ea typeface="Lato"/>
+                <a:cs typeface="Lato"/>
+                <a:sym typeface="Lato"/>
+              </a:rPr>
+              <a:t>회 성공</a:t>
+            </a:r>
+            <a:r>
+              <a:rPr lang="en-US" altLang="ko-KR" sz="1600" b="1">
+                <a:solidFill>
+                  <a:schemeClr val="tx2">
+                    <a:lumMod val="10000"/>
+                  </a:schemeClr>
+                </a:solidFill>
+                <a:latin typeface="Lato"/>
+                <a:ea typeface="Lato"/>
+                <a:cs typeface="Lato"/>
+                <a:sym typeface="Lato"/>
+              </a:rPr>
+              <a:t>’ </a:t>
+            </a:r>
+            <a:r>
+              <a:rPr lang="ko-KR" altLang="en-US" sz="1600" b="1">
+                <a:solidFill>
+                  <a:schemeClr val="tx2">
+                    <a:lumMod val="10000"/>
+                  </a:schemeClr>
+                </a:solidFill>
+                <a:latin typeface="Lato"/>
+                <a:ea typeface="Lato"/>
+                <a:cs typeface="Lato"/>
+                <a:sym typeface="Lato"/>
+              </a:rPr>
+              <a:t>업적 달성 시 </a:t>
+            </a:r>
+            <a:r>
+              <a:rPr lang="en-US" altLang="ko-KR" sz="1600" b="1">
                 <a:solidFill>
                   <a:schemeClr val="tx2">
                     <a:lumMod val="10000"/>
@@ -22233,91 +22267,7 @@
               <a:t>‘</a:t>
             </a:r>
             <a:r>
-              <a:rPr lang="ko-KR" altLang="en-US" sz="1800" b="1" dirty="0">
-                <a:solidFill>
-                  <a:schemeClr val="tx2">
-                    <a:lumMod val="10000"/>
-                  </a:schemeClr>
-                </a:solidFill>
-                <a:latin typeface="Lato"/>
-                <a:ea typeface="Lato"/>
-                <a:cs typeface="Lato"/>
-                <a:sym typeface="Lato"/>
-              </a:rPr>
-              <a:t>가드 </a:t>
-            </a:r>
-            <a:r>
-              <a:rPr lang="en-US" altLang="ko-KR" sz="1800" b="1" dirty="0">
-                <a:solidFill>
-                  <a:schemeClr val="tx2">
-                    <a:lumMod val="10000"/>
-                  </a:schemeClr>
-                </a:solidFill>
-                <a:latin typeface="Lato"/>
-                <a:ea typeface="Lato"/>
-                <a:cs typeface="Lato"/>
-                <a:sym typeface="Lato"/>
-              </a:rPr>
-              <a:t>3</a:t>
-            </a:r>
-            <a:r>
-              <a:rPr lang="ko-KR" altLang="en-US" sz="1800" b="1" dirty="0">
-                <a:solidFill>
-                  <a:schemeClr val="tx2">
-                    <a:lumMod val="10000"/>
-                  </a:schemeClr>
-                </a:solidFill>
-                <a:latin typeface="Lato"/>
-                <a:ea typeface="Lato"/>
-                <a:cs typeface="Lato"/>
-                <a:sym typeface="Lato"/>
-              </a:rPr>
-              <a:t>회 성공</a:t>
-            </a:r>
-            <a:r>
-              <a:rPr lang="en-US" altLang="ko-KR" sz="1800" b="1" dirty="0">
-                <a:solidFill>
-                  <a:schemeClr val="tx2">
-                    <a:lumMod val="10000"/>
-                  </a:schemeClr>
-                </a:solidFill>
-                <a:latin typeface="Lato"/>
-                <a:ea typeface="Lato"/>
-                <a:cs typeface="Lato"/>
-                <a:sym typeface="Lato"/>
-              </a:rPr>
-              <a:t>’ </a:t>
-            </a:r>
-            <a:r>
-              <a:rPr lang="ko-KR" altLang="en-US" sz="1800" b="1" dirty="0">
-                <a:solidFill>
-                  <a:schemeClr val="tx2">
-                    <a:lumMod val="10000"/>
-                  </a:schemeClr>
-                </a:solidFill>
-                <a:latin typeface="Lato"/>
-                <a:ea typeface="Lato"/>
-                <a:cs typeface="Lato"/>
-                <a:sym typeface="Lato"/>
-              </a:rPr>
-              <a:t>업적 달성 시 </a:t>
-            </a:r>
-            <a:r>
-              <a:rPr lang="en-US" altLang="ko-KR" sz="1800" b="1" dirty="0">
-                <a:solidFill>
-                  <a:schemeClr val="tx2">
-                    <a:lumMod val="10000"/>
-                  </a:schemeClr>
-                </a:solidFill>
-                <a:latin typeface="Lato"/>
-                <a:ea typeface="Lato"/>
-                <a:cs typeface="Lato"/>
-                <a:sym typeface="Lato"/>
-              </a:rPr>
-              <a:t>‘</a:t>
-            </a:r>
-            <a:r>
-              <a:rPr lang="ko-KR" altLang="en-US" sz="1800" b="1" dirty="0" err="1">
+              <a:rPr lang="ko-KR" altLang="en-US" sz="1600" b="1">
                 <a:solidFill>
                   <a:schemeClr val="tx2">
                     <a:lumMod val="10000"/>
@@ -22331,7 +22281,7 @@
               <a:t>위빙</a:t>
             </a:r>
             <a:r>
-              <a:rPr lang="en-US" altLang="ko-KR" sz="1800" b="1" dirty="0">
+              <a:rPr lang="en-US" altLang="ko-KR" sz="1600" b="1">
                 <a:solidFill>
                   <a:schemeClr val="tx2">
                     <a:lumMod val="10000"/>
@@ -22345,7 +22295,7 @@
               <a:t>’</a:t>
             </a:r>
             <a:r>
-              <a:rPr lang="ko-KR" altLang="en-US" sz="1800" b="1" dirty="0">
+              <a:rPr lang="ko-KR" altLang="en-US" sz="1600" b="1">
                 <a:solidFill>
                   <a:schemeClr val="tx2">
                     <a:lumMod val="10000"/>
@@ -22356,37 +22306,9 @@
                 <a:cs typeface="Lato"/>
                 <a:sym typeface="Lato"/>
               </a:rPr>
-              <a:t> 기술 사용 </a:t>
+              <a:t> 기술 사용 가능</a:t>
             </a:r>
-            <a:r>
-              <a:rPr lang="ko-KR" altLang="en-US" sz="1800" b="1" dirty="0" smtClean="0">
-                <a:solidFill>
-                  <a:schemeClr val="tx2">
-                    <a:lumMod val="10000"/>
-                  </a:schemeClr>
-                </a:solidFill>
-                <a:latin typeface="Lato"/>
-                <a:ea typeface="Lato"/>
-                <a:cs typeface="Lato"/>
-                <a:sym typeface="Lato"/>
-              </a:rPr>
-              <a:t>가</a:t>
-            </a:r>
-            <a:r>
-              <a:rPr lang="ko-KR" altLang="en-US" sz="1800" b="1" dirty="0">
-                <a:solidFill>
-                  <a:schemeClr val="tx2">
-                    <a:lumMod val="10000"/>
-                  </a:schemeClr>
-                </a:solidFill>
-                <a:latin typeface="Lato"/>
-                <a:ea typeface="Lato"/>
-                <a:cs typeface="Lato"/>
-                <a:sym typeface="Lato"/>
-              </a:rPr>
-              <a:t>능</a:t>
-            </a:r>
-            <a:endParaRPr lang="ko-KR" altLang="en-US" sz="1800" b="1" dirty="0">
+            <a:endParaRPr lang="ko-KR" altLang="en-US" sz="1600" b="1">
               <a:solidFill>
                 <a:schemeClr val="tx2">
                   <a:lumMod val="10000"/>
@@ -22470,11 +22392,11 @@
   <p:clrMapOvr>
     <a:masterClrMapping/>
   </p:clrMapOvr>
-  <mc:AlternateContent xmlns:mc="http://schemas.openxmlformats.org/markup-compatibility/2006" xmlns:p14="http://schemas.microsoft.com/office/powerpoint/2010/main">
-    <mc:Choice Requires="p14">
-      <p:transition/>
+  <mc:AlternateContent xmlns:mc="http://schemas.openxmlformats.org/markup-compatibility/2006">
+    <mc:Choice xmlns:p14="http://schemas.microsoft.com/office/powerpoint/2010/main" Requires="p14">
+      <p:transition xmlns:mc="http://schemas.openxmlformats.org/markup-compatibility/2006" xmlns:p14="http://schemas.microsoft.com/office/powerpoint/2010/main" mc:Ignorable="p14" p14:dur="500"/>
     </mc:Choice>
-    <mc:Fallback xmlns:dsp="http://schemas.microsoft.com/office/drawing/2008/diagram" xmlns:dgm="http://schemas.openxmlformats.org/drawingml/2006/diagram" xmlns:c="http://schemas.openxmlformats.org/drawingml/2006/chart" xmlns="">
+    <mc:Fallback>
       <p:transition/>
     </mc:Fallback>
   </mc:AlternateContent>
@@ -27685,44 +27607,44 @@
 </file>
 
 <file path=ppt/theme/theme1.xml><?xml version="1.0" encoding="utf-8"?>
-<a:theme xmlns:a="http://schemas.openxmlformats.org/drawingml/2006/main" name="Antonio template">
+<a:theme xmlns:r="http://schemas.openxmlformats.org/officeDocument/2006/relationships" xmlns:c="http://schemas.openxmlformats.org/drawingml/2006/chart" xmlns:dgm="http://schemas.openxmlformats.org/drawingml/2006/diagram" xmlns:dsp="http://schemas.microsoft.com/office/drawing/2008/diagram" xmlns:a="http://schemas.openxmlformats.org/drawingml/2006/main" xmlns:pic="http://schemas.openxmlformats.org/drawingml/2006/picture" xmlns:wp="http://schemas.openxmlformats.org/drawingml/2006/wordprocessingDrawing" xmlns:xdr="http://schemas.openxmlformats.org/drawingml/2006/spreadsheetDrawing" xmlns:p="http://schemas.openxmlformats.org/presentationml/2006/main" name="Antonio template">
   <a:themeElements>
     <a:clrScheme name="Custom 347">
       <a:dk1>
         <a:srgbClr val="677480"/>
       </a:dk1>
       <a:lt1>
-        <a:srgbClr val="FFFFFF"/>
+        <a:srgbClr val="ffffff"/>
       </a:lt1>
       <a:dk2>
-        <a:srgbClr val="2185C5"/>
+        <a:srgbClr val="2185c5"/>
       </a:dk2>
       <a:lt2>
-        <a:srgbClr val="DEE2E6"/>
+        <a:srgbClr val="dee2e6"/>
       </a:lt2>
       <a:accent1>
-        <a:srgbClr val="2185C5"/>
+        <a:srgbClr val="2185c5"/>
       </a:accent1>
       <a:accent2>
-        <a:srgbClr val="7ECEFD"/>
+        <a:srgbClr val="7ecefd"/>
       </a:accent2>
       <a:accent3>
-        <a:srgbClr val="F20253"/>
+        <a:srgbClr val="f20253"/>
       </a:accent3>
       <a:accent4>
-        <a:srgbClr val="FF9715"/>
+        <a:srgbClr val="ff9715"/>
       </a:accent4>
       <a:accent5>
-        <a:srgbClr val="1C3AA9"/>
+        <a:srgbClr val="1c3aa9"/>
       </a:accent5>
       <a:accent6>
-        <a:srgbClr val="97ABBC"/>
+        <a:srgbClr val="97abbc"/>
       </a:accent6>
       <a:hlink>
-        <a:srgbClr val="2185C5"/>
+        <a:srgbClr val="2185c5"/>
       </a:hlink>
       <a:folHlink>
-        <a:srgbClr val="6611CC"/>
+        <a:srgbClr val="6611cc"/>
       </a:folHlink>
     </a:clrScheme>
     <a:fontScheme name="Office">
@@ -27960,50 +27882,48 @@
       </a:bgFillStyleLst>
     </a:fmtScheme>
   </a:themeElements>
-  <a:objectDefaults/>
-  <a:extraClrSchemeLst/>
 </a:theme>
 </file>
 
 <file path=ppt/theme/theme2.xml><?xml version="1.0" encoding="utf-8"?>
-<a:theme xmlns:a="http://schemas.openxmlformats.org/drawingml/2006/main">
+<a:theme xmlns:r="http://schemas.openxmlformats.org/officeDocument/2006/relationships" xmlns:c="http://schemas.openxmlformats.org/drawingml/2006/chart" xmlns:dgm="http://schemas.openxmlformats.org/drawingml/2006/diagram" xmlns:dsp="http://schemas.microsoft.com/office/drawing/2008/diagram" xmlns:a="http://schemas.openxmlformats.org/drawingml/2006/main" xmlns:pic="http://schemas.openxmlformats.org/drawingml/2006/picture" xmlns:wp="http://schemas.openxmlformats.org/drawingml/2006/wordprocessingDrawing" xmlns:xdr="http://schemas.openxmlformats.org/drawingml/2006/spreadsheetDrawing" xmlns:p="http://schemas.openxmlformats.org/presentationml/2006/main" name="">
   <a:themeElements>
     <a:clrScheme name="Default">
       <a:dk1>
         <a:srgbClr val="000000"/>
       </a:dk1>
       <a:lt1>
-        <a:srgbClr val="FFFFFF"/>
+        <a:srgbClr val="ffffff"/>
       </a:lt1>
       <a:dk2>
         <a:srgbClr val="158158"/>
       </a:dk2>
       <a:lt2>
-        <a:srgbClr val="F3F3F3"/>
+        <a:srgbClr val="f3f3f3"/>
       </a:lt2>
       <a:accent1>
-        <a:srgbClr val="058DC7"/>
+        <a:srgbClr val="058dc7"/>
       </a:accent1>
       <a:accent2>
-        <a:srgbClr val="50B432"/>
+        <a:srgbClr val="50b432"/>
       </a:accent2>
       <a:accent3>
-        <a:srgbClr val="ED561B"/>
+        <a:srgbClr val="ed561b"/>
       </a:accent3>
       <a:accent4>
-        <a:srgbClr val="EDEF00"/>
+        <a:srgbClr val="edef00"/>
       </a:accent4>
       <a:accent5>
-        <a:srgbClr val="24CBE5"/>
+        <a:srgbClr val="24cbe5"/>
       </a:accent5>
       <a:accent6>
-        <a:srgbClr val="64E572"/>
+        <a:srgbClr val="64e572"/>
       </a:accent6>
       <a:hlink>
-        <a:srgbClr val="2200CC"/>
+        <a:srgbClr val="2200cc"/>
       </a:hlink>
       <a:folHlink>
-        <a:srgbClr val="551A8B"/>
+        <a:srgbClr val="551a8b"/>
       </a:folHlink>
     </a:clrScheme>
     <a:fontScheme name="Office">
@@ -28241,7 +28161,5 @@
       </a:bgFillStyleLst>
     </a:fmtScheme>
   </a:themeElements>
-  <a:objectDefaults/>
-  <a:extraClrSchemeLst/>
 </a:theme>
 </file>